--- a/docs/components/best-practices/operations/reporting-about-processes-assets/slides.pptx
+++ b/docs/components/best-practices/operations/reporting-about-processes-assets/slides.pptx
@@ -8,21 +8,18 @@
     <p:sldMasterId id="2147483731" r:id="rId4"/>
   </p:sldMasterIdLst>
   <p:notesMasterIdLst>
-    <p:notesMasterId r:id="rId9"/>
+    <p:notesMasterId r:id="rId6"/>
   </p:notesMasterIdLst>
   <p:handoutMasterIdLst>
-    <p:handoutMasterId r:id="rId10"/>
+    <p:handoutMasterId r:id="rId7"/>
   </p:handoutMasterIdLst>
   <p:sldIdLst>
-    <p:sldId id="1771" r:id="rId5"/>
-    <p:sldId id="1774" r:id="rId6"/>
-    <p:sldId id="1772" r:id="rId7"/>
-    <p:sldId id="1773" r:id="rId8"/>
+    <p:sldId id="1775" r:id="rId5"/>
   </p:sldIdLst>
   <p:sldSz cx="9144000" cy="6858000" type="screen4x3"/>
   <p:notesSz cx="6858000" cy="9144000"/>
   <p:custDataLst>
-    <p:tags r:id="rId11"/>
+    <p:tags r:id="rId8"/>
   </p:custDataLst>
   <p:defaultTextStyle>
     <a:defPPr>
@@ -169,10 +166,7 @@
       <p14:sectionLst xmlns:p14="http://schemas.microsoft.com/office/powerpoint/2010/main">
         <p14:section name="Untitled Section" id="{4C7BFC6F-B00A-D344-9961-86DB30D4FB8F}">
           <p14:sldIdLst>
-            <p14:sldId id="1771"/>
-            <p14:sldId id="1774"/>
-            <p14:sldId id="1772"/>
-            <p14:sldId id="1773"/>
+            <p14:sldId id="1775"/>
           </p14:sldIdLst>
         </p14:section>
       </p14:sectionLst>
@@ -733,7 +727,7 @@
           <a:graphicData uri="http://schemas.openxmlformats.org/presentationml/2006/ole">
             <mc:AlternateContent xmlns:mc="http://schemas.openxmlformats.org/markup-compatibility/2006">
               <mc:Choice xmlns:v="urn:schemas-microsoft-com:vml" Requires="v">
-                <p:oleObj spid="_x0000_s1594" name="think-cell Slide" r:id="rId8" imgW="0" imgH="0" progId="">
+                <p:oleObj spid="_x0000_s1595" name="think-cell Slide" r:id="rId8" imgW="0" imgH="0" progId="">
                   <p:embed/>
                 </p:oleObj>
               </mc:Choice>
@@ -772,7 +766,7 @@
                       <a:noFill/>
                       <a:extLst>
                         <a:ext uri="{909E8E84-426E-40dd-AFC4-6F175D3DCCD1}">
-                          <a14:hiddenFill xmlns:a14="http://schemas.microsoft.com/office/drawing/2010/main" xmlns="">
+                          <a14:hiddenFill xmlns="" xmlns:a14="http://schemas.microsoft.com/office/drawing/2010/main">
                             <a:solidFill>
                               <a:srgbClr val="FFFFFF"/>
                             </a:solidFill>
@@ -978,7 +972,7 @@
           <a:graphicData uri="http://schemas.openxmlformats.org/presentationml/2006/ole">
             <mc:AlternateContent xmlns:mc="http://schemas.openxmlformats.org/markup-compatibility/2006">
               <mc:Choice xmlns:v="urn:schemas-microsoft-com:vml" Requires="v">
-                <p:oleObj spid="_x0000_s198202" name="think-cell Slide" r:id="rId4" imgW="0" imgH="0" progId="">
+                <p:oleObj spid="_x0000_s198203" name="think-cell Slide" r:id="rId4" imgW="0" imgH="0" progId="">
                   <p:embed/>
                 </p:oleObj>
               </mc:Choice>
@@ -1017,7 +1011,7 @@
                       <a:noFill/>
                       <a:extLst>
                         <a:ext uri="{909E8E84-426E-40dd-AFC4-6F175D3DCCD1}">
-                          <a14:hiddenFill xmlns:a14="http://schemas.microsoft.com/office/drawing/2010/main" xmlns="">
+                          <a14:hiddenFill xmlns="" xmlns:a14="http://schemas.microsoft.com/office/drawing/2010/main">
                             <a:solidFill>
                               <a:srgbClr val="FFFFFF"/>
                             </a:solidFill>
@@ -1161,7 +1155,7 @@
           <a:graphicData uri="http://schemas.openxmlformats.org/presentationml/2006/ole">
             <mc:AlternateContent xmlns:mc="http://schemas.openxmlformats.org/markup-compatibility/2006">
               <mc:Choice xmlns:v="urn:schemas-microsoft-com:vml" Requires="v">
-                <p:oleObj spid="_x0000_s200250" name="think-cell Slide" r:id="rId4" imgW="0" imgH="0" progId="">
+                <p:oleObj spid="_x0000_s200251" name="think-cell Slide" r:id="rId4" imgW="0" imgH="0" progId="">
                   <p:embed/>
                 </p:oleObj>
               </mc:Choice>
@@ -1200,7 +1194,7 @@
                       <a:noFill/>
                       <a:extLst>
                         <a:ext uri="{909E8E84-426E-40dd-AFC4-6F175D3DCCD1}">
-                          <a14:hiddenFill xmlns:a14="http://schemas.microsoft.com/office/drawing/2010/main" xmlns="">
+                          <a14:hiddenFill xmlns="" xmlns:a14="http://schemas.microsoft.com/office/drawing/2010/main">
                             <a:solidFill>
                               <a:srgbClr val="FFFFFF"/>
                             </a:solidFill>
@@ -1344,7 +1338,7 @@
           <a:graphicData uri="http://schemas.openxmlformats.org/presentationml/2006/ole">
             <mc:AlternateContent xmlns:mc="http://schemas.openxmlformats.org/markup-compatibility/2006">
               <mc:Choice xmlns:v="urn:schemas-microsoft-com:vml" Requires="v">
-                <p:oleObj spid="_x0000_s201274" name="think-cell Slide" r:id="rId4" imgW="0" imgH="0" progId="">
+                <p:oleObj spid="_x0000_s201275" name="think-cell Slide" r:id="rId4" imgW="0" imgH="0" progId="">
                   <p:embed/>
                 </p:oleObj>
               </mc:Choice>
@@ -1383,7 +1377,7 @@
                       <a:noFill/>
                       <a:extLst>
                         <a:ext uri="{909E8E84-426E-40dd-AFC4-6F175D3DCCD1}">
-                          <a14:hiddenFill xmlns:a14="http://schemas.microsoft.com/office/drawing/2010/main" xmlns="">
+                          <a14:hiddenFill xmlns="" xmlns:a14="http://schemas.microsoft.com/office/drawing/2010/main">
                             <a:solidFill>
                               <a:srgbClr val="FFFFFF"/>
                             </a:solidFill>
@@ -1527,7 +1521,7 @@
           <a:graphicData uri="http://schemas.openxmlformats.org/presentationml/2006/ole">
             <mc:AlternateContent xmlns:mc="http://schemas.openxmlformats.org/markup-compatibility/2006">
               <mc:Choice xmlns:v="urn:schemas-microsoft-com:vml" Requires="v">
-                <p:oleObj spid="_x0000_s202298" name="think-cell Slide" r:id="rId4" imgW="0" imgH="0" progId="">
+                <p:oleObj spid="_x0000_s202299" name="think-cell Slide" r:id="rId4" imgW="0" imgH="0" progId="">
                   <p:embed/>
                 </p:oleObj>
               </mc:Choice>
@@ -1566,7 +1560,7 @@
                       <a:noFill/>
                       <a:extLst>
                         <a:ext uri="{909E8E84-426E-40dd-AFC4-6F175D3DCCD1}">
-                          <a14:hiddenFill xmlns:a14="http://schemas.microsoft.com/office/drawing/2010/main" xmlns="">
+                          <a14:hiddenFill xmlns="" xmlns:a14="http://schemas.microsoft.com/office/drawing/2010/main">
                             <a:solidFill>
                               <a:srgbClr val="FFFFFF"/>
                             </a:solidFill>
@@ -1776,7 +1770,7 @@
           <a:graphicData uri="http://schemas.openxmlformats.org/presentationml/2006/ole">
             <mc:AlternateContent xmlns:mc="http://schemas.openxmlformats.org/markup-compatibility/2006">
               <mc:Choice xmlns:v="urn:schemas-microsoft-com:vml" Requires="v">
-                <p:oleObj spid="_x0000_s244867" name="think-cell Slide" r:id="rId8" imgW="0" imgH="0" progId="TCLayout.ActiveDocument.1">
+                <p:oleObj spid="_x0000_s244868" name="think-cell Slide" r:id="rId8" imgW="0" imgH="0" progId="TCLayout.ActiveDocument.1">
                   <p:embed/>
                 </p:oleObj>
               </mc:Choice>
@@ -1818,14 +1812,14 @@
                       </a:ln>
                       <a:extLst>
                         <a:ext uri="{909E8E84-426E-40dd-AFC4-6F175D3DCCD1}">
-                          <a14:hiddenFill xmlns:a14="http://schemas.microsoft.com/office/drawing/2010/main" xmlns="">
+                          <a14:hiddenFill xmlns="" xmlns:a14="http://schemas.microsoft.com/office/drawing/2010/main">
                             <a:solidFill>
                               <a:srgbClr val="FFFFFF"/>
                             </a:solidFill>
                           </a14:hiddenFill>
                         </a:ext>
                         <a:ext uri="{91240B29-F687-4f45-9708-019B960494DF}">
-                          <a14:hiddenLine xmlns:a14="http://schemas.microsoft.com/office/drawing/2010/main" xmlns="" w="9525">
+                          <a14:hiddenLine xmlns="" xmlns:a14="http://schemas.microsoft.com/office/drawing/2010/main" w="9525">
                             <a:solidFill>
                               <a:srgbClr val="000000"/>
                             </a:solidFill>
@@ -2039,7 +2033,7 @@
           <a:graphicData uri="http://schemas.openxmlformats.org/presentationml/2006/ole">
             <mc:AlternateContent xmlns:mc="http://schemas.openxmlformats.org/markup-compatibility/2006">
               <mc:Choice xmlns:v="urn:schemas-microsoft-com:vml" Requires="v">
-                <p:oleObj spid="_x0000_s245891" name="think-cell Slide" r:id="rId5" imgW="0" imgH="0" progId="TCLayout.ActiveDocument.1">
+                <p:oleObj spid="_x0000_s245892" name="think-cell Slide" r:id="rId5" imgW="0" imgH="0" progId="TCLayout.ActiveDocument.1">
                   <p:embed/>
                 </p:oleObj>
               </mc:Choice>
@@ -2081,14 +2075,14 @@
                       </a:ln>
                       <a:extLst>
                         <a:ext uri="{909E8E84-426E-40dd-AFC4-6F175D3DCCD1}">
-                          <a14:hiddenFill xmlns:a14="http://schemas.microsoft.com/office/drawing/2010/main" xmlns="">
+                          <a14:hiddenFill xmlns="" xmlns:a14="http://schemas.microsoft.com/office/drawing/2010/main">
                             <a:solidFill>
                               <a:srgbClr val="FFFFFF"/>
                             </a:solidFill>
                           </a14:hiddenFill>
                         </a:ext>
                         <a:ext uri="{91240B29-F687-4f45-9708-019B960494DF}">
-                          <a14:hiddenLine xmlns:a14="http://schemas.microsoft.com/office/drawing/2010/main" xmlns="" w="9525">
+                          <a14:hiddenLine xmlns="" xmlns:a14="http://schemas.microsoft.com/office/drawing/2010/main" w="9525">
                             <a:solidFill>
                               <a:srgbClr val="000000"/>
                             </a:solidFill>
@@ -2354,7 +2348,7 @@
           <a:graphicData uri="http://schemas.openxmlformats.org/presentationml/2006/ole">
             <mc:AlternateContent xmlns:mc="http://schemas.openxmlformats.org/markup-compatibility/2006">
               <mc:Choice xmlns:v="urn:schemas-microsoft-com:vml" Requires="v">
-                <p:oleObj spid="_x0000_s246915" name="think-cell Slide" r:id="rId6" imgW="0" imgH="0" progId="TCLayout.ActiveDocument.1">
+                <p:oleObj spid="_x0000_s246916" name="think-cell Slide" r:id="rId6" imgW="0" imgH="0" progId="TCLayout.ActiveDocument.1">
                   <p:embed/>
                 </p:oleObj>
               </mc:Choice>
@@ -2396,14 +2390,14 @@
                       </a:ln>
                       <a:extLst>
                         <a:ext uri="{909E8E84-426E-40dd-AFC4-6F175D3DCCD1}">
-                          <a14:hiddenFill xmlns:a14="http://schemas.microsoft.com/office/drawing/2010/main" xmlns="">
+                          <a14:hiddenFill xmlns="" xmlns:a14="http://schemas.microsoft.com/office/drawing/2010/main">
                             <a:solidFill>
                               <a:srgbClr val="FFFFFF"/>
                             </a:solidFill>
                           </a14:hiddenFill>
                         </a:ext>
                         <a:ext uri="{91240B29-F687-4f45-9708-019B960494DF}">
-                          <a14:hiddenLine xmlns:a14="http://schemas.microsoft.com/office/drawing/2010/main" xmlns="" w="9525">
+                          <a14:hiddenLine xmlns="" xmlns:a14="http://schemas.microsoft.com/office/drawing/2010/main" w="9525">
                             <a:solidFill>
                               <a:srgbClr val="000000"/>
                             </a:solidFill>
@@ -2706,7 +2700,7 @@
           <a:graphicData uri="http://schemas.openxmlformats.org/presentationml/2006/ole">
             <mc:AlternateContent xmlns:mc="http://schemas.openxmlformats.org/markup-compatibility/2006">
               <mc:Choice xmlns:v="urn:schemas-microsoft-com:vml" Requires="v">
-                <p:oleObj spid="_x0000_s247939" name="think-cell Slide" r:id="rId4" imgW="0" imgH="0" progId="TCLayout.ActiveDocument.1">
+                <p:oleObj spid="_x0000_s247940" name="think-cell Slide" r:id="rId4" imgW="0" imgH="0" progId="TCLayout.ActiveDocument.1">
                   <p:embed/>
                 </p:oleObj>
               </mc:Choice>
@@ -2748,14 +2742,14 @@
                       </a:ln>
                       <a:extLst>
                         <a:ext uri="{909E8E84-426E-40dd-AFC4-6F175D3DCCD1}">
-                          <a14:hiddenFill xmlns:a14="http://schemas.microsoft.com/office/drawing/2010/main" xmlns="">
+                          <a14:hiddenFill xmlns="" xmlns:a14="http://schemas.microsoft.com/office/drawing/2010/main">
                             <a:solidFill>
                               <a:srgbClr val="FFFFFF"/>
                             </a:solidFill>
                           </a14:hiddenFill>
                         </a:ext>
                         <a:ext uri="{91240B29-F687-4f45-9708-019B960494DF}">
-                          <a14:hiddenLine xmlns:a14="http://schemas.microsoft.com/office/drawing/2010/main" xmlns="" w="9525">
+                          <a14:hiddenLine xmlns="" xmlns:a14="http://schemas.microsoft.com/office/drawing/2010/main" w="9525">
                             <a:solidFill>
                               <a:srgbClr val="000000"/>
                             </a:solidFill>
@@ -2914,7 +2908,7 @@
           <a:graphicData uri="http://schemas.openxmlformats.org/presentationml/2006/ole">
             <mc:AlternateContent xmlns:mc="http://schemas.openxmlformats.org/markup-compatibility/2006">
               <mc:Choice xmlns:v="urn:schemas-microsoft-com:vml" Requires="v">
-                <p:oleObj spid="_x0000_s248963" name="think-cell Slide" r:id="rId4" imgW="0" imgH="0" progId="TCLayout.ActiveDocument.1">
+                <p:oleObj spid="_x0000_s248964" name="think-cell Slide" r:id="rId4" imgW="0" imgH="0" progId="TCLayout.ActiveDocument.1">
                   <p:embed/>
                 </p:oleObj>
               </mc:Choice>
@@ -2956,14 +2950,14 @@
                       </a:ln>
                       <a:extLst>
                         <a:ext uri="{909E8E84-426E-40dd-AFC4-6F175D3DCCD1}">
-                          <a14:hiddenFill xmlns:a14="http://schemas.microsoft.com/office/drawing/2010/main" xmlns="">
+                          <a14:hiddenFill xmlns="" xmlns:a14="http://schemas.microsoft.com/office/drawing/2010/main">
                             <a:solidFill>
                               <a:srgbClr val="FFFFFF"/>
                             </a:solidFill>
                           </a14:hiddenFill>
                         </a:ext>
                         <a:ext uri="{91240B29-F687-4f45-9708-019B960494DF}">
-                          <a14:hiddenLine xmlns:a14="http://schemas.microsoft.com/office/drawing/2010/main" xmlns="" w="9525">
+                          <a14:hiddenLine xmlns="" xmlns:a14="http://schemas.microsoft.com/office/drawing/2010/main" w="9525">
                             <a:solidFill>
                               <a:srgbClr val="000000"/>
                             </a:solidFill>
@@ -3122,7 +3116,7 @@
           <a:graphicData uri="http://schemas.openxmlformats.org/presentationml/2006/ole">
             <mc:AlternateContent xmlns:mc="http://schemas.openxmlformats.org/markup-compatibility/2006">
               <mc:Choice xmlns:v="urn:schemas-microsoft-com:vml" Requires="v">
-                <p:oleObj spid="_x0000_s249987" name="think-cell Slide" r:id="rId4" imgW="0" imgH="0" progId="TCLayout.ActiveDocument.1">
+                <p:oleObj spid="_x0000_s249988" name="think-cell Slide" r:id="rId4" imgW="0" imgH="0" progId="TCLayout.ActiveDocument.1">
                   <p:embed/>
                 </p:oleObj>
               </mc:Choice>
@@ -3164,14 +3158,14 @@
                       </a:ln>
                       <a:extLst>
                         <a:ext uri="{909E8E84-426E-40dd-AFC4-6F175D3DCCD1}">
-                          <a14:hiddenFill xmlns:a14="http://schemas.microsoft.com/office/drawing/2010/main" xmlns="">
+                          <a14:hiddenFill xmlns="" xmlns:a14="http://schemas.microsoft.com/office/drawing/2010/main">
                             <a:solidFill>
                               <a:srgbClr val="FFFFFF"/>
                             </a:solidFill>
                           </a14:hiddenFill>
                         </a:ext>
                         <a:ext uri="{91240B29-F687-4f45-9708-019B960494DF}">
-                          <a14:hiddenLine xmlns:a14="http://schemas.microsoft.com/office/drawing/2010/main" xmlns="" w="9525">
+                          <a14:hiddenLine xmlns="" xmlns:a14="http://schemas.microsoft.com/office/drawing/2010/main" w="9525">
                             <a:solidFill>
                               <a:srgbClr val="000000"/>
                             </a:solidFill>
@@ -3240,7 +3234,7 @@
           <a:graphicData uri="http://schemas.openxmlformats.org/presentationml/2006/ole">
             <mc:AlternateContent xmlns:mc="http://schemas.openxmlformats.org/markup-compatibility/2006">
               <mc:Choice xmlns:v="urn:schemas-microsoft-com:vml" Requires="v">
-                <p:oleObj spid="_x0000_s8761" name="think-cell Slide" r:id="rId5" imgW="0" imgH="0" progId="">
+                <p:oleObj spid="_x0000_s8762" name="think-cell Slide" r:id="rId5" imgW="0" imgH="0" progId="">
                   <p:embed/>
                 </p:oleObj>
               </mc:Choice>
@@ -3279,7 +3273,7 @@
                       <a:noFill/>
                       <a:extLst>
                         <a:ext uri="{909E8E84-426E-40dd-AFC4-6F175D3DCCD1}">
-                          <a14:hiddenFill xmlns:a14="http://schemas.microsoft.com/office/drawing/2010/main" xmlns="">
+                          <a14:hiddenFill xmlns="" xmlns:a14="http://schemas.microsoft.com/office/drawing/2010/main">
                             <a:solidFill>
                               <a:srgbClr val="FFFFFF"/>
                             </a:solidFill>
@@ -3545,7 +3539,7 @@
           <a:graphicData uri="http://schemas.openxmlformats.org/presentationml/2006/ole">
             <mc:AlternateContent xmlns:mc="http://schemas.openxmlformats.org/markup-compatibility/2006">
               <mc:Choice xmlns:v="urn:schemas-microsoft-com:vml" Requires="v">
-                <p:oleObj spid="_x0000_s251011" name="think-cell Slide" r:id="rId4" imgW="0" imgH="0" progId="TCLayout.ActiveDocument.1">
+                <p:oleObj spid="_x0000_s251012" name="think-cell Slide" r:id="rId4" imgW="0" imgH="0" progId="TCLayout.ActiveDocument.1">
                   <p:embed/>
                 </p:oleObj>
               </mc:Choice>
@@ -3587,14 +3581,14 @@
                       </a:ln>
                       <a:extLst>
                         <a:ext uri="{909E8E84-426E-40dd-AFC4-6F175D3DCCD1}">
-                          <a14:hiddenFill xmlns:a14="http://schemas.microsoft.com/office/drawing/2010/main" xmlns="">
+                          <a14:hiddenFill xmlns="" xmlns:a14="http://schemas.microsoft.com/office/drawing/2010/main">
                             <a:solidFill>
                               <a:srgbClr val="FFFFFF"/>
                             </a:solidFill>
                           </a14:hiddenFill>
                         </a:ext>
                         <a:ext uri="{91240B29-F687-4f45-9708-019B960494DF}">
-                          <a14:hiddenLine xmlns:a14="http://schemas.microsoft.com/office/drawing/2010/main" xmlns="" w="9525">
+                          <a14:hiddenLine xmlns="" xmlns:a14="http://schemas.microsoft.com/office/drawing/2010/main" w="9525">
                             <a:solidFill>
                               <a:srgbClr val="000000"/>
                             </a:solidFill>
@@ -3761,7 +3755,7 @@
           <a:graphicData uri="http://schemas.openxmlformats.org/presentationml/2006/ole">
             <mc:AlternateContent xmlns:mc="http://schemas.openxmlformats.org/markup-compatibility/2006">
               <mc:Choice xmlns:v="urn:schemas-microsoft-com:vml" Requires="v">
-                <p:oleObj spid="_x0000_s252035" name="think-cell Slide" r:id="rId4" imgW="0" imgH="0" progId="TCLayout.ActiveDocument.1">
+                <p:oleObj spid="_x0000_s252036" name="think-cell Slide" r:id="rId4" imgW="0" imgH="0" progId="TCLayout.ActiveDocument.1">
                   <p:embed/>
                 </p:oleObj>
               </mc:Choice>
@@ -3803,14 +3797,14 @@
                       </a:ln>
                       <a:extLst>
                         <a:ext uri="{909E8E84-426E-40dd-AFC4-6F175D3DCCD1}">
-                          <a14:hiddenFill xmlns:a14="http://schemas.microsoft.com/office/drawing/2010/main" xmlns="">
+                          <a14:hiddenFill xmlns="" xmlns:a14="http://schemas.microsoft.com/office/drawing/2010/main">
                             <a:solidFill>
                               <a:srgbClr val="FFFFFF"/>
                             </a:solidFill>
                           </a14:hiddenFill>
                         </a:ext>
                         <a:ext uri="{91240B29-F687-4f45-9708-019B960494DF}">
-                          <a14:hiddenLine xmlns:a14="http://schemas.microsoft.com/office/drawing/2010/main" xmlns="" w="9525">
+                          <a14:hiddenLine xmlns="" xmlns:a14="http://schemas.microsoft.com/office/drawing/2010/main" w="9525">
                             <a:solidFill>
                               <a:srgbClr val="000000"/>
                             </a:solidFill>
@@ -3926,7 +3920,7 @@
           <a:graphicData uri="http://schemas.openxmlformats.org/presentationml/2006/ole">
             <mc:AlternateContent xmlns:mc="http://schemas.openxmlformats.org/markup-compatibility/2006">
               <mc:Choice xmlns:v="urn:schemas-microsoft-com:vml" Requires="v">
-                <p:oleObj spid="_x0000_s253059" name="think-cell Slide" r:id="rId18" imgW="0" imgH="0" progId="TCLayout.ActiveDocument.1">
+                <p:oleObj spid="_x0000_s253060" name="think-cell Slide" r:id="rId18" imgW="0" imgH="0" progId="TCLayout.ActiveDocument.1">
                   <p:embed/>
                 </p:oleObj>
               </mc:Choice>
@@ -3968,14 +3962,14 @@
                       </a:ln>
                       <a:extLst>
                         <a:ext uri="{909E8E84-426E-40dd-AFC4-6F175D3DCCD1}">
-                          <a14:hiddenFill xmlns:a14="http://schemas.microsoft.com/office/drawing/2010/main" xmlns="">
+                          <a14:hiddenFill xmlns="" xmlns:a14="http://schemas.microsoft.com/office/drawing/2010/main">
                             <a:solidFill>
                               <a:srgbClr val="FFFFFF"/>
                             </a:solidFill>
                           </a14:hiddenFill>
                         </a:ext>
                         <a:ext uri="{91240B29-F687-4f45-9708-019B960494DF}">
-                          <a14:hiddenLine xmlns:a14="http://schemas.microsoft.com/office/drawing/2010/main" xmlns="" w="9525">
+                          <a14:hiddenLine xmlns="" xmlns:a14="http://schemas.microsoft.com/office/drawing/2010/main" w="9525">
                             <a:solidFill>
                               <a:srgbClr val="000000"/>
                             </a:solidFill>
@@ -4771,7 +4765,7 @@
           <a:noFill/>
           <a:extLst>
             <a:ext uri="{909E8E84-426E-40dd-AFC4-6F175D3DCCD1}">
-              <a14:hiddenFill xmlns:a14="http://schemas.microsoft.com/office/drawing/2010/main" xmlns="">
+              <a14:hiddenFill xmlns="" xmlns:a14="http://schemas.microsoft.com/office/drawing/2010/main">
                 <a:solidFill>
                   <a:srgbClr val="FFFFFF"/>
                 </a:solidFill>
@@ -4843,7 +4837,7 @@
           <a:graphicData uri="http://schemas.openxmlformats.org/presentationml/2006/ole">
             <mc:AlternateContent xmlns:mc="http://schemas.openxmlformats.org/markup-compatibility/2006">
               <mc:Choice xmlns:v="urn:schemas-microsoft-com:vml" Requires="v">
-                <p:oleObj spid="_x0000_s257083" name="think-cell Slide" r:id="rId9" imgW="0" imgH="0" progId="">
+                <p:oleObj spid="_x0000_s257084" name="think-cell Slide" r:id="rId9" imgW="0" imgH="0" progId="">
                   <p:embed/>
                 </p:oleObj>
               </mc:Choice>
@@ -4885,14 +4879,14 @@
                       </a:ln>
                       <a:extLst>
                         <a:ext uri="{909E8E84-426E-40dd-AFC4-6F175D3DCCD1}">
-                          <a14:hiddenFill xmlns:a14="http://schemas.microsoft.com/office/drawing/2010/main" xmlns="">
+                          <a14:hiddenFill xmlns="" xmlns:a14="http://schemas.microsoft.com/office/drawing/2010/main">
                             <a:solidFill>
                               <a:srgbClr val="FFFFFF"/>
                             </a:solidFill>
                           </a14:hiddenFill>
                         </a:ext>
                         <a:ext uri="{91240B29-F687-4f45-9708-019B960494DF}">
-                          <a14:hiddenLine xmlns:a14="http://schemas.microsoft.com/office/drawing/2010/main" xmlns="" w="9525">
+                          <a14:hiddenLine xmlns="" xmlns:a14="http://schemas.microsoft.com/office/drawing/2010/main" w="9525">
                             <a:solidFill>
                               <a:srgbClr val="000000"/>
                             </a:solidFill>
@@ -5106,7 +5100,7 @@
           <a:graphicData uri="http://schemas.openxmlformats.org/presentationml/2006/ole">
             <mc:AlternateContent xmlns:mc="http://schemas.openxmlformats.org/markup-compatibility/2006">
               <mc:Choice xmlns:v="urn:schemas-microsoft-com:vml" Requires="v">
-                <p:oleObj spid="_x0000_s258107" name="think-cell Slide" r:id="rId5" imgW="0" imgH="0" progId="">
+                <p:oleObj spid="_x0000_s258108" name="think-cell Slide" r:id="rId5" imgW="0" imgH="0" progId="">
                   <p:embed/>
                 </p:oleObj>
               </mc:Choice>
@@ -5148,14 +5142,14 @@
                       </a:ln>
                       <a:extLst>
                         <a:ext uri="{909E8E84-426E-40dd-AFC4-6F175D3DCCD1}">
-                          <a14:hiddenFill xmlns:a14="http://schemas.microsoft.com/office/drawing/2010/main" xmlns="">
+                          <a14:hiddenFill xmlns="" xmlns:a14="http://schemas.microsoft.com/office/drawing/2010/main">
                             <a:solidFill>
                               <a:srgbClr val="FFFFFF"/>
                             </a:solidFill>
                           </a14:hiddenFill>
                         </a:ext>
                         <a:ext uri="{91240B29-F687-4f45-9708-019B960494DF}">
-                          <a14:hiddenLine xmlns:a14="http://schemas.microsoft.com/office/drawing/2010/main" xmlns="" w="9525">
+                          <a14:hiddenLine xmlns="" xmlns:a14="http://schemas.microsoft.com/office/drawing/2010/main" w="9525">
                             <a:solidFill>
                               <a:srgbClr val="000000"/>
                             </a:solidFill>
@@ -5421,7 +5415,7 @@
           <a:graphicData uri="http://schemas.openxmlformats.org/presentationml/2006/ole">
             <mc:AlternateContent xmlns:mc="http://schemas.openxmlformats.org/markup-compatibility/2006">
               <mc:Choice xmlns:v="urn:schemas-microsoft-com:vml" Requires="v">
-                <p:oleObj spid="_x0000_s259131" name="think-cell Slide" r:id="rId6" imgW="0" imgH="0" progId="">
+                <p:oleObj spid="_x0000_s259132" name="think-cell Slide" r:id="rId6" imgW="0" imgH="0" progId="">
                   <p:embed/>
                 </p:oleObj>
               </mc:Choice>
@@ -5463,14 +5457,14 @@
                       </a:ln>
                       <a:extLst>
                         <a:ext uri="{909E8E84-426E-40dd-AFC4-6F175D3DCCD1}">
-                          <a14:hiddenFill xmlns:a14="http://schemas.microsoft.com/office/drawing/2010/main" xmlns="">
+                          <a14:hiddenFill xmlns="" xmlns:a14="http://schemas.microsoft.com/office/drawing/2010/main">
                             <a:solidFill>
                               <a:srgbClr val="FFFFFF"/>
                             </a:solidFill>
                           </a14:hiddenFill>
                         </a:ext>
                         <a:ext uri="{91240B29-F687-4f45-9708-019B960494DF}">
-                          <a14:hiddenLine xmlns:a14="http://schemas.microsoft.com/office/drawing/2010/main" xmlns="" w="9525">
+                          <a14:hiddenLine xmlns="" xmlns:a14="http://schemas.microsoft.com/office/drawing/2010/main" w="9525">
                             <a:solidFill>
                               <a:srgbClr val="000000"/>
                             </a:solidFill>
@@ -5773,7 +5767,7 @@
           <a:graphicData uri="http://schemas.openxmlformats.org/presentationml/2006/ole">
             <mc:AlternateContent xmlns:mc="http://schemas.openxmlformats.org/markup-compatibility/2006">
               <mc:Choice xmlns:v="urn:schemas-microsoft-com:vml" Requires="v">
-                <p:oleObj spid="_x0000_s260155" name="think-cell Slide" r:id="rId4" imgW="0" imgH="0" progId="">
+                <p:oleObj spid="_x0000_s260156" name="think-cell Slide" r:id="rId4" imgW="0" imgH="0" progId="">
                   <p:embed/>
                 </p:oleObj>
               </mc:Choice>
@@ -5815,14 +5809,14 @@
                       </a:ln>
                       <a:extLst>
                         <a:ext uri="{909E8E84-426E-40dd-AFC4-6F175D3DCCD1}">
-                          <a14:hiddenFill xmlns:a14="http://schemas.microsoft.com/office/drawing/2010/main" xmlns="">
+                          <a14:hiddenFill xmlns="" xmlns:a14="http://schemas.microsoft.com/office/drawing/2010/main">
                             <a:solidFill>
                               <a:srgbClr val="FFFFFF"/>
                             </a:solidFill>
                           </a14:hiddenFill>
                         </a:ext>
                         <a:ext uri="{91240B29-F687-4f45-9708-019B960494DF}">
-                          <a14:hiddenLine xmlns:a14="http://schemas.microsoft.com/office/drawing/2010/main" xmlns="" w="9525">
+                          <a14:hiddenLine xmlns="" xmlns:a14="http://schemas.microsoft.com/office/drawing/2010/main" w="9525">
                             <a:solidFill>
                               <a:srgbClr val="000000"/>
                             </a:solidFill>
@@ -5981,7 +5975,7 @@
           <a:graphicData uri="http://schemas.openxmlformats.org/presentationml/2006/ole">
             <mc:AlternateContent xmlns:mc="http://schemas.openxmlformats.org/markup-compatibility/2006">
               <mc:Choice xmlns:v="urn:schemas-microsoft-com:vml" Requires="v">
-                <p:oleObj spid="_x0000_s261179" name="think-cell Slide" r:id="rId4" imgW="0" imgH="0" progId="">
+                <p:oleObj spid="_x0000_s261180" name="think-cell Slide" r:id="rId4" imgW="0" imgH="0" progId="">
                   <p:embed/>
                 </p:oleObj>
               </mc:Choice>
@@ -6023,14 +6017,14 @@
                       </a:ln>
                       <a:extLst>
                         <a:ext uri="{909E8E84-426E-40dd-AFC4-6F175D3DCCD1}">
-                          <a14:hiddenFill xmlns:a14="http://schemas.microsoft.com/office/drawing/2010/main" xmlns="">
+                          <a14:hiddenFill xmlns="" xmlns:a14="http://schemas.microsoft.com/office/drawing/2010/main">
                             <a:solidFill>
                               <a:srgbClr val="FFFFFF"/>
                             </a:solidFill>
                           </a14:hiddenFill>
                         </a:ext>
                         <a:ext uri="{91240B29-F687-4f45-9708-019B960494DF}">
-                          <a14:hiddenLine xmlns:a14="http://schemas.microsoft.com/office/drawing/2010/main" xmlns="" w="9525">
+                          <a14:hiddenLine xmlns="" xmlns:a14="http://schemas.microsoft.com/office/drawing/2010/main" w="9525">
                             <a:solidFill>
                               <a:srgbClr val="000000"/>
                             </a:solidFill>
@@ -6189,7 +6183,7 @@
           <a:graphicData uri="http://schemas.openxmlformats.org/presentationml/2006/ole">
             <mc:AlternateContent xmlns:mc="http://schemas.openxmlformats.org/markup-compatibility/2006">
               <mc:Choice xmlns:v="urn:schemas-microsoft-com:vml" Requires="v">
-                <p:oleObj spid="_x0000_s262203" name="think-cell Slide" r:id="rId4" imgW="0" imgH="0" progId="">
+                <p:oleObj spid="_x0000_s262204" name="think-cell Slide" r:id="rId4" imgW="0" imgH="0" progId="">
                   <p:embed/>
                 </p:oleObj>
               </mc:Choice>
@@ -6231,14 +6225,14 @@
                       </a:ln>
                       <a:extLst>
                         <a:ext uri="{909E8E84-426E-40dd-AFC4-6F175D3DCCD1}">
-                          <a14:hiddenFill xmlns:a14="http://schemas.microsoft.com/office/drawing/2010/main" xmlns="">
+                          <a14:hiddenFill xmlns="" xmlns:a14="http://schemas.microsoft.com/office/drawing/2010/main">
                             <a:solidFill>
                               <a:srgbClr val="FFFFFF"/>
                             </a:solidFill>
                           </a14:hiddenFill>
                         </a:ext>
                         <a:ext uri="{91240B29-F687-4f45-9708-019B960494DF}">
-                          <a14:hiddenLine xmlns:a14="http://schemas.microsoft.com/office/drawing/2010/main" xmlns="" w="9525">
+                          <a14:hiddenLine xmlns="" xmlns:a14="http://schemas.microsoft.com/office/drawing/2010/main" w="9525">
                             <a:solidFill>
                               <a:srgbClr val="000000"/>
                             </a:solidFill>
@@ -6315,7 +6309,7 @@
           <a:graphicData uri="http://schemas.openxmlformats.org/presentationml/2006/ole">
             <mc:AlternateContent xmlns:mc="http://schemas.openxmlformats.org/markup-compatibility/2006">
               <mc:Choice xmlns:v="urn:schemas-microsoft-com:vml" Requires="v">
-                <p:oleObj spid="_x0000_s263227" name="think-cell Slide" r:id="rId4" imgW="0" imgH="0" progId="">
+                <p:oleObj spid="_x0000_s263228" name="think-cell Slide" r:id="rId4" imgW="0" imgH="0" progId="">
                   <p:embed/>
                 </p:oleObj>
               </mc:Choice>
@@ -6357,14 +6351,14 @@
                       </a:ln>
                       <a:extLst>
                         <a:ext uri="{909E8E84-426E-40dd-AFC4-6F175D3DCCD1}">
-                          <a14:hiddenFill xmlns:a14="http://schemas.microsoft.com/office/drawing/2010/main" xmlns="">
+                          <a14:hiddenFill xmlns="" xmlns:a14="http://schemas.microsoft.com/office/drawing/2010/main">
                             <a:solidFill>
                               <a:srgbClr val="FFFFFF"/>
                             </a:solidFill>
                           </a14:hiddenFill>
                         </a:ext>
                         <a:ext uri="{91240B29-F687-4f45-9708-019B960494DF}">
-                          <a14:hiddenLine xmlns:a14="http://schemas.microsoft.com/office/drawing/2010/main" xmlns="" w="9525">
+                          <a14:hiddenLine xmlns="" xmlns:a14="http://schemas.microsoft.com/office/drawing/2010/main" w="9525">
                             <a:solidFill>
                               <a:srgbClr val="000000"/>
                             </a:solidFill>
@@ -6523,7 +6517,7 @@
           <a:graphicData uri="http://schemas.openxmlformats.org/presentationml/2006/ole">
             <mc:AlternateContent xmlns:mc="http://schemas.openxmlformats.org/markup-compatibility/2006">
               <mc:Choice xmlns:v="urn:schemas-microsoft-com:vml" Requires="v">
-                <p:oleObj spid="_x0000_s136762" name="think-cell Slide" r:id="rId6" imgW="0" imgH="0" progId="">
+                <p:oleObj spid="_x0000_s136763" name="think-cell Slide" r:id="rId6" imgW="0" imgH="0" progId="">
                   <p:embed/>
                 </p:oleObj>
               </mc:Choice>
@@ -6562,7 +6556,7 @@
                       <a:noFill/>
                       <a:extLst>
                         <a:ext uri="{909E8E84-426E-40dd-AFC4-6F175D3DCCD1}">
-                          <a14:hiddenFill xmlns:a14="http://schemas.microsoft.com/office/drawing/2010/main" xmlns="">
+                          <a14:hiddenFill xmlns="" xmlns:a14="http://schemas.microsoft.com/office/drawing/2010/main">
                             <a:solidFill>
                               <a:srgbClr val="FFFFFF"/>
                             </a:solidFill>
@@ -6865,7 +6859,7 @@
           <a:graphicData uri="http://schemas.openxmlformats.org/presentationml/2006/ole">
             <mc:AlternateContent xmlns:mc="http://schemas.openxmlformats.org/markup-compatibility/2006">
               <mc:Choice xmlns:v="urn:schemas-microsoft-com:vml" Requires="v">
-                <p:oleObj spid="_x0000_s264251" name="think-cell Slide" r:id="rId4" imgW="0" imgH="0" progId="">
+                <p:oleObj spid="_x0000_s264252" name="think-cell Slide" r:id="rId4" imgW="0" imgH="0" progId="">
                   <p:embed/>
                 </p:oleObj>
               </mc:Choice>
@@ -6907,14 +6901,14 @@
                       </a:ln>
                       <a:extLst>
                         <a:ext uri="{909E8E84-426E-40dd-AFC4-6F175D3DCCD1}">
-                          <a14:hiddenFill xmlns:a14="http://schemas.microsoft.com/office/drawing/2010/main" xmlns="">
+                          <a14:hiddenFill xmlns="" xmlns:a14="http://schemas.microsoft.com/office/drawing/2010/main">
                             <a:solidFill>
                               <a:srgbClr val="FFFFFF"/>
                             </a:solidFill>
                           </a14:hiddenFill>
                         </a:ext>
                         <a:ext uri="{91240B29-F687-4f45-9708-019B960494DF}">
-                          <a14:hiddenLine xmlns:a14="http://schemas.microsoft.com/office/drawing/2010/main" xmlns="" w="9525">
+                          <a14:hiddenLine xmlns="" xmlns:a14="http://schemas.microsoft.com/office/drawing/2010/main" w="9525">
                             <a:solidFill>
                               <a:srgbClr val="000000"/>
                             </a:solidFill>
@@ -7030,7 +7024,7 @@
           <a:graphicData uri="http://schemas.openxmlformats.org/presentationml/2006/ole">
             <mc:AlternateContent xmlns:mc="http://schemas.openxmlformats.org/markup-compatibility/2006">
               <mc:Choice xmlns:v="urn:schemas-microsoft-com:vml" Requires="v">
-                <p:oleObj spid="_x0000_s265275" name="think-cell Slide" r:id="rId18" imgW="0" imgH="0" progId="">
+                <p:oleObj spid="_x0000_s265276" name="think-cell Slide" r:id="rId18" imgW="0" imgH="0" progId="">
                   <p:embed/>
                 </p:oleObj>
               </mc:Choice>
@@ -7072,14 +7066,14 @@
                       </a:ln>
                       <a:extLst>
                         <a:ext uri="{909E8E84-426E-40dd-AFC4-6F175D3DCCD1}">
-                          <a14:hiddenFill xmlns:a14="http://schemas.microsoft.com/office/drawing/2010/main" xmlns="">
+                          <a14:hiddenFill xmlns="" xmlns:a14="http://schemas.microsoft.com/office/drawing/2010/main">
                             <a:solidFill>
                               <a:srgbClr val="FFFFFF"/>
                             </a:solidFill>
                           </a14:hiddenFill>
                         </a:ext>
                         <a:ext uri="{91240B29-F687-4f45-9708-019B960494DF}">
-                          <a14:hiddenLine xmlns:a14="http://schemas.microsoft.com/office/drawing/2010/main" xmlns="" w="9525">
+                          <a14:hiddenLine xmlns="" xmlns:a14="http://schemas.microsoft.com/office/drawing/2010/main" w="9525">
                             <a:solidFill>
                               <a:srgbClr val="000000"/>
                             </a:solidFill>
@@ -9900,7 +9894,7 @@
           <a:graphicData uri="http://schemas.openxmlformats.org/presentationml/2006/ole">
             <mc:AlternateContent xmlns:mc="http://schemas.openxmlformats.org/markup-compatibility/2006">
               <mc:Choice xmlns:v="urn:schemas-microsoft-com:vml" Requires="v">
-                <p:oleObj spid="_x0000_s109114" name="think-cell Slide" r:id="rId4" imgW="0" imgH="0" progId="">
+                <p:oleObj spid="_x0000_s109115" name="think-cell Slide" r:id="rId4" imgW="0" imgH="0" progId="">
                   <p:embed/>
                 </p:oleObj>
               </mc:Choice>
@@ -9939,7 +9933,7 @@
                       <a:noFill/>
                       <a:extLst>
                         <a:ext uri="{909E8E84-426E-40dd-AFC4-6F175D3DCCD1}">
-                          <a14:hiddenFill xmlns:a14="http://schemas.microsoft.com/office/drawing/2010/main" xmlns="">
+                          <a14:hiddenFill xmlns="" xmlns:a14="http://schemas.microsoft.com/office/drawing/2010/main">
                             <a:solidFill>
                               <a:srgbClr val="FFFFFF"/>
                             </a:solidFill>
@@ -11441,7 +11435,7 @@
           <a:graphicData uri="http://schemas.openxmlformats.org/presentationml/2006/ole">
             <mc:AlternateContent xmlns:mc="http://schemas.openxmlformats.org/markup-compatibility/2006">
               <mc:Choice xmlns:v="urn:schemas-microsoft-com:vml" Requires="v">
-                <p:oleObj spid="_x0000_s115258" name="think-cell Slide" r:id="rId4" imgW="0" imgH="0" progId="">
+                <p:oleObj spid="_x0000_s115259" name="think-cell Slide" r:id="rId4" imgW="0" imgH="0" progId="">
                   <p:embed/>
                 </p:oleObj>
               </mc:Choice>
@@ -11480,7 +11474,7 @@
                       <a:noFill/>
                       <a:extLst>
                         <a:ext uri="{909E8E84-426E-40dd-AFC4-6F175D3DCCD1}">
-                          <a14:hiddenFill xmlns:a14="http://schemas.microsoft.com/office/drawing/2010/main" xmlns="">
+                          <a14:hiddenFill xmlns="" xmlns:a14="http://schemas.microsoft.com/office/drawing/2010/main">
                             <a:solidFill>
                               <a:srgbClr val="FFFFFF"/>
                             </a:solidFill>
@@ -11631,7 +11625,7 @@
           <a:graphicData uri="http://schemas.openxmlformats.org/presentationml/2006/ole">
             <mc:AlternateContent xmlns:mc="http://schemas.openxmlformats.org/markup-compatibility/2006">
               <mc:Choice xmlns:v="urn:schemas-microsoft-com:vml" Requires="v">
-                <p:oleObj spid="_x0000_s108090" name="think-cell Slide" r:id="rId4" imgW="0" imgH="0" progId="">
+                <p:oleObj spid="_x0000_s108091" name="think-cell Slide" r:id="rId4" imgW="0" imgH="0" progId="">
                   <p:embed/>
                 </p:oleObj>
               </mc:Choice>
@@ -11670,7 +11664,7 @@
                       <a:noFill/>
                       <a:extLst>
                         <a:ext uri="{909E8E84-426E-40dd-AFC4-6F175D3DCCD1}">
-                          <a14:hiddenFill xmlns:a14="http://schemas.microsoft.com/office/drawing/2010/main" xmlns="">
+                          <a14:hiddenFill xmlns="" xmlns:a14="http://schemas.microsoft.com/office/drawing/2010/main">
                             <a:solidFill>
                               <a:srgbClr val="FFFFFF"/>
                             </a:solidFill>
@@ -11739,7 +11733,7 @@
           <a:graphicData uri="http://schemas.openxmlformats.org/presentationml/2006/ole">
             <mc:AlternateContent xmlns:mc="http://schemas.openxmlformats.org/markup-compatibility/2006">
               <mc:Choice xmlns:v="urn:schemas-microsoft-com:vml" Requires="v">
-                <p:oleObj spid="_x0000_s116282" name="think-cell Slide" r:id="rId4" imgW="0" imgH="0" progId="">
+                <p:oleObj spid="_x0000_s116283" name="think-cell Slide" r:id="rId4" imgW="0" imgH="0" progId="">
                   <p:embed/>
                 </p:oleObj>
               </mc:Choice>
@@ -11778,7 +11772,7 @@
                       <a:noFill/>
                       <a:extLst>
                         <a:ext uri="{909E8E84-426E-40dd-AFC4-6F175D3DCCD1}">
-                          <a14:hiddenFill xmlns:a14="http://schemas.microsoft.com/office/drawing/2010/main" xmlns="">
+                          <a14:hiddenFill xmlns="" xmlns:a14="http://schemas.microsoft.com/office/drawing/2010/main">
                             <a:solidFill>
                               <a:srgbClr val="FFFFFF"/>
                             </a:solidFill>
@@ -11937,7 +11931,7 @@
           <a:graphicData uri="http://schemas.openxmlformats.org/presentationml/2006/ole">
             <mc:AlternateContent xmlns:mc="http://schemas.openxmlformats.org/markup-compatibility/2006">
               <mc:Choice xmlns:v="urn:schemas-microsoft-com:vml" Requires="v">
-                <p:oleObj spid="_x0000_s137786" name="think-cell Slide" r:id="rId4" imgW="0" imgH="0" progId="">
+                <p:oleObj spid="_x0000_s137787" name="think-cell Slide" r:id="rId4" imgW="0" imgH="0" progId="">
                   <p:embed/>
                 </p:oleObj>
               </mc:Choice>
@@ -11976,7 +11970,7 @@
                       <a:noFill/>
                       <a:extLst>
                         <a:ext uri="{909E8E84-426E-40dd-AFC4-6F175D3DCCD1}">
-                          <a14:hiddenFill xmlns:a14="http://schemas.microsoft.com/office/drawing/2010/main" xmlns="">
+                          <a14:hiddenFill xmlns="" xmlns:a14="http://schemas.microsoft.com/office/drawing/2010/main">
                             <a:solidFill>
                               <a:srgbClr val="FFFFFF"/>
                             </a:solidFill>
@@ -12084,7 +12078,7 @@
           <a:graphicData uri="http://schemas.openxmlformats.org/presentationml/2006/ole">
             <mc:AlternateContent xmlns:mc="http://schemas.openxmlformats.org/markup-compatibility/2006">
               <mc:Choice xmlns:v="urn:schemas-microsoft-com:vml" Requires="v">
-                <p:oleObj spid="_x0000_s117306" name="think-cell Slide" r:id="rId18" imgW="0" imgH="0" progId="">
+                <p:oleObj spid="_x0000_s117307" name="think-cell Slide" r:id="rId18" imgW="0" imgH="0" progId="">
                   <p:embed/>
                 </p:oleObj>
               </mc:Choice>
@@ -12123,7 +12117,7 @@
                       <a:noFill/>
                       <a:extLst>
                         <a:ext uri="{909E8E84-426E-40dd-AFC4-6F175D3DCCD1}">
-                          <a14:hiddenFill xmlns:a14="http://schemas.microsoft.com/office/drawing/2010/main" xmlns="">
+                          <a14:hiddenFill xmlns="" xmlns:a14="http://schemas.microsoft.com/office/drawing/2010/main">
                             <a:solidFill>
                               <a:srgbClr val="FFFFFF"/>
                             </a:solidFill>
@@ -13200,7 +13194,7 @@
           <a:graphicData uri="http://schemas.openxmlformats.org/presentationml/2006/ole">
             <mc:AlternateContent xmlns:mc="http://schemas.openxmlformats.org/markup-compatibility/2006">
               <mc:Choice xmlns:v="urn:schemas-microsoft-com:vml" Requires="v">
-                <p:oleObj spid="_x0000_s2620" name="think-cell Slide" r:id="rId20" imgW="0" imgH="0" progId="">
+                <p:oleObj spid="_x0000_s2621" name="think-cell Slide" r:id="rId20" imgW="0" imgH="0" progId="">
                   <p:embed/>
                 </p:oleObj>
               </mc:Choice>
@@ -13239,7 +13233,7 @@
                       <a:noFill/>
                       <a:extLst>
                         <a:ext uri="{909E8E84-426E-40dd-AFC4-6F175D3DCCD1}">
-                          <a14:hiddenFill xmlns:a14="http://schemas.microsoft.com/office/drawing/2010/main" xmlns="">
+                          <a14:hiddenFill xmlns="" xmlns:a14="http://schemas.microsoft.com/office/drawing/2010/main">
                             <a:solidFill>
                               <a:srgbClr val="FFFFFF"/>
                             </a:solidFill>
@@ -13784,7 +13778,7 @@
           <a:graphicData uri="http://schemas.openxmlformats.org/presentationml/2006/ole">
             <mc:AlternateContent xmlns:mc="http://schemas.openxmlformats.org/markup-compatibility/2006">
               <mc:Choice xmlns:v="urn:schemas-microsoft-com:vml" Requires="v">
-                <p:oleObj spid="_x0000_s243843" name="think-cell Slide" r:id="rId16" imgW="0" imgH="0" progId="TCLayout.ActiveDocument.1">
+                <p:oleObj spid="_x0000_s243844" name="think-cell Slide" r:id="rId16" imgW="0" imgH="0" progId="TCLayout.ActiveDocument.1">
                   <p:embed/>
                 </p:oleObj>
               </mc:Choice>
@@ -13826,14 +13820,14 @@
                       </a:ln>
                       <a:extLst>
                         <a:ext uri="{909E8E84-426E-40dd-AFC4-6F175D3DCCD1}">
-                          <a14:hiddenFill xmlns:a14="http://schemas.microsoft.com/office/drawing/2010/main" xmlns="">
+                          <a14:hiddenFill xmlns="" xmlns:a14="http://schemas.microsoft.com/office/drawing/2010/main">
                             <a:solidFill>
                               <a:srgbClr val="FFFFFF"/>
                             </a:solidFill>
                           </a14:hiddenFill>
                         </a:ext>
                         <a:ext uri="{91240B29-F687-4f45-9708-019B960494DF}">
-                          <a14:hiddenLine xmlns:a14="http://schemas.microsoft.com/office/drawing/2010/main" xmlns="" w="9525">
+                          <a14:hiddenLine xmlns="" xmlns:a14="http://schemas.microsoft.com/office/drawing/2010/main" w="9525">
                             <a:solidFill>
                               <a:srgbClr val="000000"/>
                             </a:solidFill>
@@ -14382,7 +14376,7 @@
           <a:graphicData uri="http://schemas.openxmlformats.org/presentationml/2006/ole">
             <mc:AlternateContent xmlns:mc="http://schemas.openxmlformats.org/markup-compatibility/2006">
               <mc:Choice xmlns:v="urn:schemas-microsoft-com:vml" Requires="v">
-                <p:oleObj spid="_x0000_s256059" name="think-cell Slide" r:id="rId17" imgW="0" imgH="0" progId="">
+                <p:oleObj spid="_x0000_s256060" name="think-cell Slide" r:id="rId17" imgW="0" imgH="0" progId="">
                   <p:embed/>
                 </p:oleObj>
               </mc:Choice>
@@ -14424,14 +14418,14 @@
                       </a:ln>
                       <a:extLst>
                         <a:ext uri="{909E8E84-426E-40dd-AFC4-6F175D3DCCD1}">
-                          <a14:hiddenFill xmlns:a14="http://schemas.microsoft.com/office/drawing/2010/main" xmlns="">
+                          <a14:hiddenFill xmlns="" xmlns:a14="http://schemas.microsoft.com/office/drawing/2010/main">
                             <a:solidFill>
                               <a:srgbClr val="FFFFFF"/>
                             </a:solidFill>
                           </a14:hiddenFill>
                         </a:ext>
                         <a:ext uri="{91240B29-F687-4f45-9708-019B960494DF}">
-                          <a14:hiddenLine xmlns:a14="http://schemas.microsoft.com/office/drawing/2010/main" xmlns="" w="9525">
+                          <a14:hiddenLine xmlns="" xmlns:a14="http://schemas.microsoft.com/office/drawing/2010/main" w="9525">
                             <a:solidFill>
                               <a:srgbClr val="000000"/>
                             </a:solidFill>
@@ -15179,10 +15173,10 @@
       </p:grpSpPr>
       <p:sp>
         <p:nvSpPr>
-          <p:cNvPr id="21" name="Rechteck 40">
+          <p:cNvPr id="3" name="Rechteck 40">
             <a:extLst>
               <a:ext uri="{FF2B5EF4-FFF2-40B4-BE49-F238E27FC236}">
-                <a16:creationId xmlns:a16="http://schemas.microsoft.com/office/drawing/2014/main" id="{C5637093-4FC1-4521-8C6C-76703A97E22C}"/>
+                <a16:creationId xmlns:a16="http://schemas.microsoft.com/office/drawing/2014/main" id="{F5AB8D11-7444-4CD5-9DCC-743A1DA0BABD}"/>
               </a:ext>
             </a:extLst>
           </p:cNvPr>
@@ -15191,737 +15185,8 @@
         </p:nvSpPr>
         <p:spPr bwMode="auto">
           <a:xfrm>
-            <a:off x="3833599" y="4237147"/>
-            <a:ext cx="5158001" cy="1246442"/>
-          </a:xfrm>
-          <a:prstGeom prst="rect">
-            <a:avLst/>
-          </a:prstGeom>
-          <a:solidFill>
-            <a:schemeClr val="bg1"/>
-          </a:solidFill>
-          <a:ln w="25400">
-            <a:solidFill>
-              <a:schemeClr val="accent1"/>
-            </a:solidFill>
-            <a:headEnd type="none" w="med" len="med"/>
-            <a:tailEnd type="none" w="med" len="med"/>
-          </a:ln>
-        </p:spPr>
-        <p:style>
-          <a:lnRef idx="1">
-            <a:schemeClr val="accent1"/>
-          </a:lnRef>
-          <a:fillRef idx="2">
-            <a:schemeClr val="accent1"/>
-          </a:fillRef>
-          <a:effectRef idx="1">
-            <a:schemeClr val="accent1"/>
-          </a:effectRef>
-          <a:fontRef idx="minor">
-            <a:schemeClr val="dk1"/>
-          </a:fontRef>
-        </p:style>
-        <p:txBody>
-          <a:bodyPr vert="horz" wrap="square" lIns="72000" tIns="46800" rIns="72000" bIns="46800" numCol="1" rtlCol="0" anchor="t" anchorCtr="0" compatLnSpc="1">
-            <a:prstTxWarp prst="textNoShape">
-              <a:avLst/>
-            </a:prstTxWarp>
-          </a:bodyPr>
-          <a:lstStyle/>
-          <a:p>
-            <a:pPr marL="0" marR="0" indent="0" defTabSz="914400" rtl="0" eaLnBrk="1" fontAlgn="base" latinLnBrk="0" hangingPunct="1">
-              <a:lnSpc>
-                <a:spcPct val="90000"/>
-              </a:lnSpc>
-              <a:spcBef>
-                <a:spcPct val="0"/>
-              </a:spcBef>
-              <a:spcAft>
-                <a:spcPct val="0"/>
-              </a:spcAft>
-              <a:buClrTx/>
-              <a:buSzTx/>
-              <a:buFontTx/>
-              <a:buNone/>
-              <a:tabLst/>
-            </a:pPr>
-            <a:r>
-              <a:rPr kumimoji="0" lang="de-DE" sz="1400" b="1" i="0" u="none" strike="noStrike" cap="none" normalizeH="0" baseline="0" dirty="0">
-                <a:ln>
-                  <a:noFill/>
-                </a:ln>
-                <a:solidFill>
-                  <a:schemeClr val="tx1"/>
-                </a:solidFill>
-                <a:effectLst/>
-                <a:latin typeface="+mn-lt"/>
-              </a:rPr>
-              <a:t>V2</a:t>
-            </a:r>
-          </a:p>
-        </p:txBody>
-      </p:sp>
-      <p:sp>
-        <p:nvSpPr>
-          <p:cNvPr id="13" name="Rechteck 40">
-            <a:extLst>
-              <a:ext uri="{FF2B5EF4-FFF2-40B4-BE49-F238E27FC236}">
-                <a16:creationId xmlns:a16="http://schemas.microsoft.com/office/drawing/2014/main" id="{7B21CACD-D920-4845-8964-071D3EE0734C}"/>
-              </a:ext>
-            </a:extLst>
-          </p:cNvPr>
-          <p:cNvSpPr/>
-          <p:nvPr/>
-        </p:nvSpPr>
-        <p:spPr bwMode="auto">
-          <a:xfrm>
-            <a:off x="3833599" y="2805779"/>
-            <a:ext cx="5158001" cy="1246442"/>
-          </a:xfrm>
-          <a:prstGeom prst="rect">
-            <a:avLst/>
-          </a:prstGeom>
-          <a:solidFill>
-            <a:schemeClr val="bg1"/>
-          </a:solidFill>
-          <a:ln w="25400">
-            <a:solidFill>
-              <a:schemeClr val="accent1"/>
-            </a:solidFill>
-            <a:headEnd type="none" w="med" len="med"/>
-            <a:tailEnd type="none" w="med" len="med"/>
-          </a:ln>
-        </p:spPr>
-        <p:style>
-          <a:lnRef idx="1">
-            <a:schemeClr val="accent1"/>
-          </a:lnRef>
-          <a:fillRef idx="2">
-            <a:schemeClr val="accent1"/>
-          </a:fillRef>
-          <a:effectRef idx="1">
-            <a:schemeClr val="accent1"/>
-          </a:effectRef>
-          <a:fontRef idx="minor">
-            <a:schemeClr val="dk1"/>
-          </a:fontRef>
-        </p:style>
-        <p:txBody>
-          <a:bodyPr vert="horz" wrap="square" lIns="72000" tIns="46800" rIns="72000" bIns="46800" numCol="1" rtlCol="0" anchor="t" anchorCtr="0" compatLnSpc="1">
-            <a:prstTxWarp prst="textNoShape">
-              <a:avLst/>
-            </a:prstTxWarp>
-          </a:bodyPr>
-          <a:lstStyle/>
-          <a:p>
-            <a:pPr marL="0" marR="0" indent="0" defTabSz="914400" rtl="0" eaLnBrk="1" fontAlgn="base" latinLnBrk="0" hangingPunct="1">
-              <a:lnSpc>
-                <a:spcPct val="90000"/>
-              </a:lnSpc>
-              <a:spcBef>
-                <a:spcPct val="0"/>
-              </a:spcBef>
-              <a:spcAft>
-                <a:spcPct val="0"/>
-              </a:spcAft>
-              <a:buClrTx/>
-              <a:buSzTx/>
-              <a:buFontTx/>
-              <a:buNone/>
-              <a:tabLst/>
-            </a:pPr>
-            <a:r>
-              <a:rPr kumimoji="0" lang="de-DE" sz="1400" b="1" i="0" u="none" strike="noStrike" cap="none" normalizeH="0" baseline="0" dirty="0">
-                <a:ln>
-                  <a:noFill/>
-                </a:ln>
-                <a:solidFill>
-                  <a:schemeClr val="tx1"/>
-                </a:solidFill>
-                <a:effectLst/>
-                <a:latin typeface="+mn-lt"/>
-              </a:rPr>
-              <a:t>V1</a:t>
-            </a:r>
-          </a:p>
-        </p:txBody>
-      </p:sp>
-      <p:pic>
-        <p:nvPicPr>
-          <p:cNvPr id="14" name="Picture 13">
-            <a:extLst>
-              <a:ext uri="{FF2B5EF4-FFF2-40B4-BE49-F238E27FC236}">
-                <a16:creationId xmlns:a16="http://schemas.microsoft.com/office/drawing/2014/main" id="{BCC66C58-3A47-4CAB-8872-F5D56A738A86}"/>
-              </a:ext>
-            </a:extLst>
-          </p:cNvPr>
-          <p:cNvPicPr>
-            <a:picLocks noChangeAspect="1"/>
-          </p:cNvPicPr>
-          <p:nvPr/>
-        </p:nvPicPr>
-        <p:blipFill>
-          <a:blip r:embed="rId2"/>
-          <a:stretch>
-            <a:fillRect/>
-          </a:stretch>
-        </p:blipFill>
-        <p:spPr>
-          <a:xfrm>
-            <a:off x="457200" y="1371600"/>
-            <a:ext cx="2997354" cy="1111307"/>
-          </a:xfrm>
-          <a:prstGeom prst="rect">
-            <a:avLst/>
-          </a:prstGeom>
-        </p:spPr>
-      </p:pic>
-      <p:pic>
-        <p:nvPicPr>
-          <p:cNvPr id="16" name="Picture 15">
-            <a:extLst>
-              <a:ext uri="{FF2B5EF4-FFF2-40B4-BE49-F238E27FC236}">
-                <a16:creationId xmlns:a16="http://schemas.microsoft.com/office/drawing/2014/main" id="{A7EBD674-7047-4959-AB1E-370C71294A7E}"/>
-              </a:ext>
-            </a:extLst>
-          </p:cNvPr>
-          <p:cNvPicPr>
-            <a:picLocks noChangeAspect="1"/>
-          </p:cNvPicPr>
-          <p:nvPr/>
-        </p:nvPicPr>
-        <p:blipFill>
-          <a:blip r:embed="rId3"/>
-          <a:stretch>
-            <a:fillRect/>
-          </a:stretch>
-        </p:blipFill>
-        <p:spPr>
-          <a:xfrm>
-            <a:off x="4410131" y="2961377"/>
-            <a:ext cx="3010055" cy="1041454"/>
-          </a:xfrm>
-          <a:prstGeom prst="rect">
-            <a:avLst/>
-          </a:prstGeom>
-        </p:spPr>
-      </p:pic>
-      <p:pic>
-        <p:nvPicPr>
-          <p:cNvPr id="18" name="Picture 17">
-            <a:extLst>
-              <a:ext uri="{FF2B5EF4-FFF2-40B4-BE49-F238E27FC236}">
-                <a16:creationId xmlns:a16="http://schemas.microsoft.com/office/drawing/2014/main" id="{9D37FB75-5F87-449B-865F-D416D7E7F9C9}"/>
-              </a:ext>
-            </a:extLst>
-          </p:cNvPr>
-          <p:cNvPicPr>
-            <a:picLocks noChangeAspect="1"/>
-          </p:cNvPicPr>
-          <p:nvPr/>
-        </p:nvPicPr>
-        <p:blipFill>
-          <a:blip r:embed="rId4"/>
-          <a:stretch>
-            <a:fillRect/>
-          </a:stretch>
-        </p:blipFill>
-        <p:spPr>
-          <a:xfrm>
-            <a:off x="4410131" y="4381574"/>
-            <a:ext cx="4267419" cy="958899"/>
-          </a:xfrm>
-          <a:prstGeom prst="rect">
-            <a:avLst/>
-          </a:prstGeom>
-        </p:spPr>
-      </p:pic>
-      <p:cxnSp>
-        <p:nvCxnSpPr>
-          <p:cNvPr id="23" name="Straight Arrow Connector 22">
-            <a:extLst>
-              <a:ext uri="{FF2B5EF4-FFF2-40B4-BE49-F238E27FC236}">
-                <a16:creationId xmlns:a16="http://schemas.microsoft.com/office/drawing/2014/main" id="{DEF26AAD-9F39-49C4-8782-D9C22F00E965}"/>
-              </a:ext>
-            </a:extLst>
-          </p:cNvPr>
-          <p:cNvCxnSpPr>
-            <a:cxnSpLocks/>
-          </p:cNvCxnSpPr>
-          <p:nvPr/>
-        </p:nvCxnSpPr>
-        <p:spPr>
-          <a:xfrm>
-            <a:off x="2743200" y="2362200"/>
-            <a:ext cx="995524" cy="450637"/>
-          </a:xfrm>
-          <a:prstGeom prst="straightConnector1">
-            <a:avLst/>
-          </a:prstGeom>
-          <a:ln w="25400">
-            <a:tailEnd type="triangle"/>
-          </a:ln>
-        </p:spPr>
-        <p:style>
-          <a:lnRef idx="1">
-            <a:schemeClr val="accent1"/>
-          </a:lnRef>
-          <a:fillRef idx="0">
-            <a:schemeClr val="accent1"/>
-          </a:fillRef>
-          <a:effectRef idx="0">
-            <a:schemeClr val="accent1"/>
-          </a:effectRef>
-          <a:fontRef idx="minor">
-            <a:schemeClr val="tx1"/>
-          </a:fontRef>
-        </p:style>
-      </p:cxnSp>
-      <p:sp>
-        <p:nvSpPr>
-          <p:cNvPr id="24" name="TextBox 23">
-            <a:extLst>
-              <a:ext uri="{FF2B5EF4-FFF2-40B4-BE49-F238E27FC236}">
-                <a16:creationId xmlns:a16="http://schemas.microsoft.com/office/drawing/2014/main" id="{28DD26C3-B788-40FE-B2BB-4D0A18946685}"/>
-              </a:ext>
-            </a:extLst>
-          </p:cNvPr>
-          <p:cNvSpPr txBox="1"/>
-          <p:nvPr/>
-        </p:nvSpPr>
-        <p:spPr>
-          <a:xfrm>
-            <a:off x="3200400" y="2298632"/>
-            <a:ext cx="1771917" cy="286232"/>
-          </a:xfrm>
-          <a:prstGeom prst="rect">
-            <a:avLst/>
-          </a:prstGeom>
-          <a:noFill/>
-        </p:spPr>
-        <p:txBody>
-          <a:bodyPr wrap="square" rtlCol="0">
-            <a:spAutoFit/>
-          </a:bodyPr>
-          <a:lstStyle/>
-          <a:p>
-            <a:r>
-              <a:rPr lang="en-US" dirty="0">
-                <a:solidFill>
-                  <a:schemeClr val="accent1"/>
-                </a:solidFill>
-              </a:rPr>
-              <a:t>references</a:t>
-            </a:r>
-            <a:endParaRPr lang="en-DE" dirty="0">
-              <a:solidFill>
-                <a:schemeClr val="accent1"/>
-              </a:solidFill>
-            </a:endParaRPr>
-          </a:p>
-        </p:txBody>
-      </p:sp>
-    </p:spTree>
-    <p:extLst>
-      <p:ext uri="{BB962C8B-B14F-4D97-AF65-F5344CB8AC3E}">
-        <p14:creationId xmlns:p14="http://schemas.microsoft.com/office/powerpoint/2010/main" val="4266633337"/>
-      </p:ext>
-    </p:extLst>
-  </p:cSld>
-  <p:clrMapOvr>
-    <a:masterClrMapping/>
-  </p:clrMapOvr>
-</p:sld>
-</file>
-
-<file path=ppt/slides/slide2.xml><?xml version="1.0" encoding="utf-8"?>
-<p:sld xmlns:a="http://schemas.openxmlformats.org/drawingml/2006/main" xmlns:r="http://schemas.openxmlformats.org/officeDocument/2006/relationships" xmlns:p="http://schemas.openxmlformats.org/presentationml/2006/main">
-  <p:cSld>
-    <p:bg>
-      <p:bgPr>
-        <a:solidFill>
-          <a:schemeClr val="bg1"/>
-        </a:solidFill>
-        <a:effectLst/>
-      </p:bgPr>
-    </p:bg>
-    <p:spTree>
-      <p:nvGrpSpPr>
-        <p:cNvPr id="1" name=""/>
-        <p:cNvGrpSpPr/>
-        <p:nvPr/>
-      </p:nvGrpSpPr>
-      <p:grpSpPr>
-        <a:xfrm>
-          <a:off x="0" y="0"/>
-          <a:ext cx="0" cy="0"/>
-          <a:chOff x="0" y="0"/>
-          <a:chExt cx="0" cy="0"/>
-        </a:xfrm>
-      </p:grpSpPr>
-      <p:sp>
-        <p:nvSpPr>
-          <p:cNvPr id="7" name="Rechteck 32">
-            <a:extLst>
-              <a:ext uri="{FF2B5EF4-FFF2-40B4-BE49-F238E27FC236}">
-                <a16:creationId xmlns:a16="http://schemas.microsoft.com/office/drawing/2014/main" id="{48991FE1-A882-4CD5-AFA2-CE72652B5D39}"/>
-              </a:ext>
-            </a:extLst>
-          </p:cNvPr>
-          <p:cNvSpPr/>
-          <p:nvPr/>
-        </p:nvSpPr>
-        <p:spPr bwMode="auto">
-          <a:xfrm>
-            <a:off x="609600" y="838200"/>
-            <a:ext cx="2971800" cy="2667000"/>
-          </a:xfrm>
-          <a:prstGeom prst="rect">
-            <a:avLst/>
-          </a:prstGeom>
-          <a:solidFill>
-            <a:schemeClr val="accent1">
-              <a:lumMod val="20000"/>
-              <a:lumOff val="80000"/>
-            </a:schemeClr>
-          </a:solidFill>
-          <a:ln>
-            <a:noFill/>
-            <a:headEnd type="none" w="med" len="med"/>
-            <a:tailEnd type="none" w="med" len="med"/>
-          </a:ln>
-        </p:spPr>
-        <p:style>
-          <a:lnRef idx="1">
-            <a:schemeClr val="accent5"/>
-          </a:lnRef>
-          <a:fillRef idx="2">
-            <a:schemeClr val="accent5"/>
-          </a:fillRef>
-          <a:effectRef idx="1">
-            <a:schemeClr val="accent5"/>
-          </a:effectRef>
-          <a:fontRef idx="minor">
-            <a:schemeClr val="dk1"/>
-          </a:fontRef>
-        </p:style>
-        <p:txBody>
-          <a:bodyPr vert="horz" wrap="square" lIns="72000" tIns="46800" rIns="72000" bIns="46800" numCol="1" rtlCol="0" anchor="ctr" anchorCtr="0" compatLnSpc="1">
-            <a:prstTxWarp prst="textNoShape">
-              <a:avLst/>
-            </a:prstTxWarp>
-          </a:bodyPr>
-          <a:lstStyle/>
-          <a:p>
-            <a:pPr marL="0" marR="0" indent="0" algn="l" defTabSz="914400" rtl="0" eaLnBrk="1" fontAlgn="base" latinLnBrk="0" hangingPunct="1">
-              <a:lnSpc>
-                <a:spcPct val="90000"/>
-              </a:lnSpc>
-              <a:spcBef>
-                <a:spcPct val="0"/>
-              </a:spcBef>
-              <a:spcAft>
-                <a:spcPct val="0"/>
-              </a:spcAft>
-              <a:buClrTx/>
-              <a:buSzTx/>
-              <a:buFontTx/>
-              <a:buNone/>
-              <a:tabLst/>
-            </a:pPr>
-            <a:endParaRPr kumimoji="0" lang="de-DE" sz="1400" b="0" i="0" u="none" strike="noStrike" cap="none" normalizeH="0" baseline="0" dirty="0">
-              <a:ln>
-                <a:noFill/>
-              </a:ln>
-              <a:solidFill>
-                <a:schemeClr val="tx1"/>
-              </a:solidFill>
-              <a:effectLst/>
-              <a:latin typeface="+mn-lt"/>
-            </a:endParaRPr>
-          </a:p>
-        </p:txBody>
-      </p:sp>
-      <p:sp>
-        <p:nvSpPr>
-          <p:cNvPr id="9" name="Textfeld 33">
-            <a:extLst>
-              <a:ext uri="{FF2B5EF4-FFF2-40B4-BE49-F238E27FC236}">
-                <a16:creationId xmlns:a16="http://schemas.microsoft.com/office/drawing/2014/main" id="{D87D3B5E-F13B-4773-BFE1-6C80CCA7A87B}"/>
-              </a:ext>
-            </a:extLst>
-          </p:cNvPr>
-          <p:cNvSpPr txBox="1"/>
-          <p:nvPr/>
-        </p:nvSpPr>
-        <p:spPr>
-          <a:xfrm>
-            <a:off x="685800" y="963190"/>
-            <a:ext cx="1649023" cy="286232"/>
-          </a:xfrm>
-          <a:prstGeom prst="rect">
-            <a:avLst/>
-          </a:prstGeom>
-          <a:noFill/>
-        </p:spPr>
-        <p:txBody>
-          <a:bodyPr wrap="none" lIns="72000" rIns="72000" rtlCol="0">
-            <a:spAutoFit/>
-          </a:bodyPr>
-          <a:lstStyle/>
-          <a:p>
-            <a:r>
-              <a:rPr lang="de-DE" dirty="0">
-                <a:latin typeface="+mn-lt"/>
-              </a:rPr>
-              <a:t>my-application.jar</a:t>
-            </a:r>
-            <a:endParaRPr lang="de-DE" sz="1400" dirty="0">
-              <a:latin typeface="+mn-lt"/>
-            </a:endParaRPr>
-          </a:p>
-        </p:txBody>
-      </p:sp>
-      <p:sp>
-        <p:nvSpPr>
-          <p:cNvPr id="10" name="Rechteck 40">
-            <a:extLst>
-              <a:ext uri="{FF2B5EF4-FFF2-40B4-BE49-F238E27FC236}">
-                <a16:creationId xmlns:a16="http://schemas.microsoft.com/office/drawing/2014/main" id="{23D6A80D-AC47-4733-938A-A32F5C226662}"/>
-              </a:ext>
-            </a:extLst>
-          </p:cNvPr>
-          <p:cNvSpPr/>
-          <p:nvPr/>
-        </p:nvSpPr>
-        <p:spPr bwMode="auto">
-          <a:xfrm>
-            <a:off x="1161569" y="1831611"/>
-            <a:ext cx="2115029" cy="360040"/>
-          </a:xfrm>
-          <a:prstGeom prst="rect">
-            <a:avLst/>
-          </a:prstGeom>
-          <a:solidFill>
-            <a:schemeClr val="accent3">
-              <a:lumMod val="20000"/>
-              <a:lumOff val="80000"/>
-            </a:schemeClr>
-          </a:solidFill>
-          <a:ln>
-            <a:noFill/>
-            <a:headEnd type="none" w="med" len="med"/>
-            <a:tailEnd type="none" w="med" len="med"/>
-          </a:ln>
-        </p:spPr>
-        <p:style>
-          <a:lnRef idx="1">
-            <a:schemeClr val="accent2"/>
-          </a:lnRef>
-          <a:fillRef idx="2">
-            <a:schemeClr val="accent2"/>
-          </a:fillRef>
-          <a:effectRef idx="1">
-            <a:schemeClr val="accent2"/>
-          </a:effectRef>
-          <a:fontRef idx="minor">
-            <a:schemeClr val="dk1"/>
-          </a:fontRef>
-        </p:style>
-        <p:txBody>
-          <a:bodyPr vert="horz" wrap="square" lIns="72000" tIns="46800" rIns="72000" bIns="46800" numCol="1" rtlCol="0" anchor="ctr" anchorCtr="0" compatLnSpc="1">
-            <a:prstTxWarp prst="textNoShape">
-              <a:avLst/>
-            </a:prstTxWarp>
-          </a:bodyPr>
-          <a:lstStyle/>
-          <a:p>
-            <a:pPr algn="ctr"/>
-            <a:r>
-              <a:rPr lang="de-DE" dirty="0">
-                <a:solidFill>
-                  <a:schemeClr val="tx1"/>
-                </a:solidFill>
-              </a:rPr>
-              <a:t>MyClass.java</a:t>
-            </a:r>
-          </a:p>
-        </p:txBody>
-      </p:sp>
-      <p:sp>
-        <p:nvSpPr>
-          <p:cNvPr id="11" name="Rechteck 42">
-            <a:extLst>
-              <a:ext uri="{FF2B5EF4-FFF2-40B4-BE49-F238E27FC236}">
-                <a16:creationId xmlns:a16="http://schemas.microsoft.com/office/drawing/2014/main" id="{5CEE828F-951B-4435-9CB4-A58F3E2800CB}"/>
-              </a:ext>
-            </a:extLst>
-          </p:cNvPr>
-          <p:cNvSpPr/>
-          <p:nvPr/>
-        </p:nvSpPr>
-        <p:spPr bwMode="auto">
-          <a:xfrm>
-            <a:off x="1150639" y="2288811"/>
-            <a:ext cx="2115029" cy="360040"/>
-          </a:xfrm>
-          <a:prstGeom prst="rect">
-            <a:avLst/>
-          </a:prstGeom>
-          <a:solidFill>
-            <a:schemeClr val="accent3">
-              <a:lumMod val="20000"/>
-              <a:lumOff val="80000"/>
-            </a:schemeClr>
-          </a:solidFill>
-          <a:ln>
-            <a:noFill/>
-            <a:headEnd type="none" w="med" len="med"/>
-            <a:tailEnd type="none" w="med" len="med"/>
-          </a:ln>
-        </p:spPr>
-        <p:style>
-          <a:lnRef idx="1">
-            <a:schemeClr val="accent2"/>
-          </a:lnRef>
-          <a:fillRef idx="2">
-            <a:schemeClr val="accent2"/>
-          </a:fillRef>
-          <a:effectRef idx="1">
-            <a:schemeClr val="accent2"/>
-          </a:effectRef>
-          <a:fontRef idx="minor">
-            <a:schemeClr val="dk1"/>
-          </a:fontRef>
-        </p:style>
-        <p:txBody>
-          <a:bodyPr vert="horz" wrap="square" lIns="72000" tIns="46800" rIns="72000" bIns="46800" numCol="1" rtlCol="0" anchor="ctr" anchorCtr="0" compatLnSpc="1">
-            <a:prstTxWarp prst="textNoShape">
-              <a:avLst/>
-            </a:prstTxWarp>
-          </a:bodyPr>
-          <a:lstStyle/>
-          <a:p>
-            <a:pPr algn="ctr"/>
-            <a:r>
-              <a:rPr lang="de-DE" dirty="0">
-                <a:solidFill>
-                  <a:schemeClr val="tx1"/>
-                </a:solidFill>
-              </a:rPr>
-              <a:t>task-form.html</a:t>
-            </a:r>
-          </a:p>
-        </p:txBody>
-      </p:sp>
-      <p:sp>
-        <p:nvSpPr>
-          <p:cNvPr id="12" name="Rechteck 44">
-            <a:extLst>
-              <a:ext uri="{FF2B5EF4-FFF2-40B4-BE49-F238E27FC236}">
-                <a16:creationId xmlns:a16="http://schemas.microsoft.com/office/drawing/2014/main" id="{552032FB-757C-4264-8C5A-27917B35FFD1}"/>
-              </a:ext>
-            </a:extLst>
-          </p:cNvPr>
-          <p:cNvSpPr/>
-          <p:nvPr/>
-        </p:nvSpPr>
-        <p:spPr bwMode="auto">
-          <a:xfrm>
-            <a:off x="1150638" y="2979055"/>
-            <a:ext cx="2115029" cy="360040"/>
-          </a:xfrm>
-          <a:prstGeom prst="rect">
-            <a:avLst/>
-          </a:prstGeom>
-          <a:solidFill>
-            <a:schemeClr val="accent3">
-              <a:lumMod val="20000"/>
-              <a:lumOff val="80000"/>
-            </a:schemeClr>
-          </a:solidFill>
-          <a:ln>
-            <a:noFill/>
-            <a:headEnd type="none" w="med" len="med"/>
-            <a:tailEnd type="none" w="med" len="med"/>
-          </a:ln>
-        </p:spPr>
-        <p:style>
-          <a:lnRef idx="1">
-            <a:schemeClr val="accent2"/>
-          </a:lnRef>
-          <a:fillRef idx="2">
-            <a:schemeClr val="accent2"/>
-          </a:fillRef>
-          <a:effectRef idx="1">
-            <a:schemeClr val="accent2"/>
-          </a:effectRef>
-          <a:fontRef idx="minor">
-            <a:schemeClr val="dk1"/>
-          </a:fontRef>
-        </p:style>
-        <p:txBody>
-          <a:bodyPr vert="horz" wrap="square" lIns="72000" tIns="46800" rIns="72000" bIns="46800" numCol="1" rtlCol="0" anchor="ctr" anchorCtr="0" compatLnSpc="1">
-            <a:prstTxWarp prst="textNoShape">
-              <a:avLst/>
-            </a:prstTxWarp>
-          </a:bodyPr>
-          <a:lstStyle/>
-          <a:p>
-            <a:pPr marL="0" marR="0" indent="0" algn="ctr" defTabSz="914400" rtl="0" eaLnBrk="1" fontAlgn="base" latinLnBrk="0" hangingPunct="1">
-              <a:lnSpc>
-                <a:spcPct val="90000"/>
-              </a:lnSpc>
-              <a:spcBef>
-                <a:spcPct val="0"/>
-              </a:spcBef>
-              <a:spcAft>
-                <a:spcPct val="0"/>
-              </a:spcAft>
-              <a:buClrTx/>
-              <a:buSzTx/>
-              <a:buFontTx/>
-              <a:buNone/>
-              <a:tabLst/>
-            </a:pPr>
-            <a:r>
-              <a:rPr lang="de-DE" dirty="0">
-                <a:solidFill>
-                  <a:schemeClr val="tx1"/>
-                </a:solidFill>
-              </a:rPr>
-              <a:t>some-library.jar</a:t>
-            </a:r>
-            <a:endParaRPr kumimoji="0" lang="de-DE" sz="1400" b="0" i="0" u="none" strike="noStrike" cap="none" normalizeH="0" baseline="0" dirty="0">
-              <a:ln>
-                <a:noFill/>
-              </a:ln>
-              <a:solidFill>
-                <a:schemeClr val="tx1"/>
-              </a:solidFill>
-              <a:effectLst/>
-              <a:latin typeface="+mn-lt"/>
-            </a:endParaRPr>
-          </a:p>
-        </p:txBody>
-      </p:sp>
-      <p:sp>
-        <p:nvSpPr>
-          <p:cNvPr id="13" name="Rechteck 40">
-            <a:extLst>
-              <a:ext uri="{FF2B5EF4-FFF2-40B4-BE49-F238E27FC236}">
-                <a16:creationId xmlns:a16="http://schemas.microsoft.com/office/drawing/2014/main" id="{7B21CACD-D920-4845-8964-071D3EE0734C}"/>
-              </a:ext>
-            </a:extLst>
-          </p:cNvPr>
-          <p:cNvSpPr/>
-          <p:nvPr/>
-        </p:nvSpPr>
-        <p:spPr bwMode="auto">
-          <a:xfrm>
-            <a:off x="1161568" y="1374411"/>
-            <a:ext cx="2115031" cy="360040"/>
+            <a:off x="2819400" y="1201270"/>
+            <a:ext cx="2895600" cy="1017842"/>
           </a:xfrm>
           <a:prstGeom prst="rect">
             <a:avLst/>
@@ -15976,439 +15241,14 @@
               <a:tabLst/>
             </a:pPr>
             <a:r>
-              <a:rPr lang="de-DE" dirty="0" err="1">
+              <a:rPr lang="de-DE" dirty="0">
                 <a:solidFill>
                   <a:schemeClr val="tx1"/>
                 </a:solidFill>
               </a:rPr>
-              <a:t>m</a:t>
-            </a:r>
-            <a:r>
-              <a:rPr kumimoji="0" lang="de-DE" sz="1400" b="0" i="0" u="none" strike="noStrike" cap="none" normalizeH="0" baseline="0" dirty="0" err="1">
-                <a:ln>
-                  <a:noFill/>
-                </a:ln>
-                <a:solidFill>
-                  <a:schemeClr val="tx1"/>
-                </a:solidFill>
-                <a:effectLst/>
-                <a:latin typeface="+mn-lt"/>
-              </a:rPr>
-              <a:t>y-process.bpmn</a:t>
-            </a:r>
-            <a:endParaRPr kumimoji="0" lang="de-DE" sz="1400" b="0" i="0" u="none" strike="noStrike" cap="none" normalizeH="0" baseline="0" dirty="0">
-              <a:ln>
-                <a:noFill/>
-              </a:ln>
-              <a:solidFill>
-                <a:schemeClr val="tx1"/>
-              </a:solidFill>
-              <a:effectLst/>
-              <a:latin typeface="+mn-lt"/>
-            </a:endParaRPr>
-          </a:p>
-        </p:txBody>
-      </p:sp>
-      <p:sp>
-        <p:nvSpPr>
-          <p:cNvPr id="8" name="Rectangle 7">
-            <a:extLst>
-              <a:ext uri="{FF2B5EF4-FFF2-40B4-BE49-F238E27FC236}">
-                <a16:creationId xmlns:a16="http://schemas.microsoft.com/office/drawing/2014/main" id="{46E5787D-7465-4DC0-A456-F187D538CB59}"/>
-              </a:ext>
-            </a:extLst>
-          </p:cNvPr>
-          <p:cNvSpPr/>
-          <p:nvPr/>
-        </p:nvSpPr>
-        <p:spPr>
-          <a:xfrm>
-            <a:off x="3581400" y="1905000"/>
-            <a:ext cx="2895600" cy="457199"/>
-          </a:xfrm>
-          <a:prstGeom prst="rect">
-            <a:avLst/>
-          </a:prstGeom>
-          <a:noFill/>
-          <a:ln>
-            <a:noFill/>
-          </a:ln>
-        </p:spPr>
-        <p:style>
-          <a:lnRef idx="2">
-            <a:schemeClr val="accent1">
-              <a:shade val="50000"/>
-            </a:schemeClr>
-          </a:lnRef>
-          <a:fillRef idx="1">
-            <a:schemeClr val="accent1"/>
-          </a:fillRef>
-          <a:effectRef idx="0">
-            <a:schemeClr val="accent1"/>
-          </a:effectRef>
-          <a:fontRef idx="minor">
-            <a:schemeClr val="lt1"/>
-          </a:fontRef>
-        </p:style>
-        <p:txBody>
-          <a:bodyPr rtlCol="0" anchor="ctr"/>
-          <a:lstStyle/>
-          <a:p>
-            <a:pPr algn="ctr"/>
-            <a:endParaRPr lang="en-DE" dirty="0" err="1">
-              <a:solidFill>
-                <a:schemeClr val="tx1"/>
-              </a:solidFill>
-            </a:endParaRPr>
-          </a:p>
-        </p:txBody>
-      </p:sp>
-    </p:spTree>
-    <p:extLst>
-      <p:ext uri="{BB962C8B-B14F-4D97-AF65-F5344CB8AC3E}">
-        <p14:creationId xmlns:p14="http://schemas.microsoft.com/office/powerpoint/2010/main" val="1812023695"/>
-      </p:ext>
-    </p:extLst>
-  </p:cSld>
-  <p:clrMapOvr>
-    <a:masterClrMapping/>
-  </p:clrMapOvr>
-</p:sld>
-</file>
-
-<file path=ppt/slides/slide3.xml><?xml version="1.0" encoding="utf-8"?>
-<p:sld xmlns:a="http://schemas.openxmlformats.org/drawingml/2006/main" xmlns:r="http://schemas.openxmlformats.org/officeDocument/2006/relationships" xmlns:p="http://schemas.openxmlformats.org/presentationml/2006/main">
-  <p:cSld>
-    <p:bg>
-      <p:bgPr>
-        <a:solidFill>
-          <a:schemeClr val="bg2"/>
-        </a:solidFill>
-        <a:effectLst/>
-      </p:bgPr>
-    </p:bg>
-    <p:spTree>
-      <p:nvGrpSpPr>
-        <p:cNvPr id="1" name=""/>
-        <p:cNvGrpSpPr/>
-        <p:nvPr/>
-      </p:nvGrpSpPr>
-      <p:grpSpPr>
-        <a:xfrm>
-          <a:off x="0" y="0"/>
-          <a:ext cx="0" cy="0"/>
-          <a:chOff x="0" y="0"/>
-          <a:chExt cx="0" cy="0"/>
-        </a:xfrm>
-      </p:grpSpPr>
-      <p:sp>
-        <p:nvSpPr>
-          <p:cNvPr id="7" name="Rechteck 32">
-            <a:extLst>
-              <a:ext uri="{FF2B5EF4-FFF2-40B4-BE49-F238E27FC236}">
-                <a16:creationId xmlns:a16="http://schemas.microsoft.com/office/drawing/2014/main" id="{48991FE1-A882-4CD5-AFA2-CE72652B5D39}"/>
-              </a:ext>
-            </a:extLst>
-          </p:cNvPr>
-          <p:cNvSpPr/>
-          <p:nvPr/>
-        </p:nvSpPr>
-        <p:spPr bwMode="auto">
-          <a:xfrm>
-            <a:off x="609600" y="838200"/>
-            <a:ext cx="2971800" cy="3581400"/>
-          </a:xfrm>
-          <a:prstGeom prst="rect">
-            <a:avLst/>
-          </a:prstGeom>
-          <a:solidFill>
-            <a:schemeClr val="accent1">
-              <a:lumMod val="20000"/>
-              <a:lumOff val="80000"/>
-            </a:schemeClr>
-          </a:solidFill>
-          <a:ln>
-            <a:noFill/>
-            <a:headEnd type="none" w="med" len="med"/>
-            <a:tailEnd type="none" w="med" len="med"/>
-          </a:ln>
-        </p:spPr>
-        <p:style>
-          <a:lnRef idx="1">
-            <a:schemeClr val="accent5"/>
-          </a:lnRef>
-          <a:fillRef idx="2">
-            <a:schemeClr val="accent5"/>
-          </a:fillRef>
-          <a:effectRef idx="1">
-            <a:schemeClr val="accent5"/>
-          </a:effectRef>
-          <a:fontRef idx="minor">
-            <a:schemeClr val="dk1"/>
-          </a:fontRef>
-        </p:style>
-        <p:txBody>
-          <a:bodyPr vert="horz" wrap="square" lIns="72000" tIns="46800" rIns="72000" bIns="46800" numCol="1" rtlCol="0" anchor="ctr" anchorCtr="0" compatLnSpc="1">
-            <a:prstTxWarp prst="textNoShape">
-              <a:avLst/>
-            </a:prstTxWarp>
-          </a:bodyPr>
-          <a:lstStyle/>
-          <a:p>
-            <a:pPr marL="0" marR="0" indent="0" algn="l" defTabSz="914400" rtl="0" eaLnBrk="1" fontAlgn="base" latinLnBrk="0" hangingPunct="1">
-              <a:lnSpc>
-                <a:spcPct val="90000"/>
-              </a:lnSpc>
-              <a:spcBef>
-                <a:spcPct val="0"/>
-              </a:spcBef>
-              <a:spcAft>
-                <a:spcPct val="0"/>
-              </a:spcAft>
-              <a:buClrTx/>
-              <a:buSzTx/>
-              <a:buFontTx/>
-              <a:buNone/>
-              <a:tabLst/>
-            </a:pPr>
-            <a:endParaRPr kumimoji="0" lang="de-DE" sz="1400" b="0" i="0" u="none" strike="noStrike" cap="none" normalizeH="0" baseline="0" dirty="0">
-              <a:ln>
-                <a:noFill/>
-              </a:ln>
-              <a:solidFill>
-                <a:schemeClr val="tx1"/>
-              </a:solidFill>
-              <a:effectLst/>
-              <a:latin typeface="+mn-lt"/>
-            </a:endParaRPr>
-          </a:p>
-        </p:txBody>
-      </p:sp>
-      <p:sp>
-        <p:nvSpPr>
-          <p:cNvPr id="9" name="Textfeld 33">
-            <a:extLst>
-              <a:ext uri="{FF2B5EF4-FFF2-40B4-BE49-F238E27FC236}">
-                <a16:creationId xmlns:a16="http://schemas.microsoft.com/office/drawing/2014/main" id="{D87D3B5E-F13B-4773-BFE1-6C80CCA7A87B}"/>
-              </a:ext>
-            </a:extLst>
-          </p:cNvPr>
-          <p:cNvSpPr txBox="1"/>
-          <p:nvPr/>
-        </p:nvSpPr>
-        <p:spPr>
-          <a:xfrm>
-            <a:off x="685800" y="963190"/>
-            <a:ext cx="1649023" cy="286232"/>
-          </a:xfrm>
-          <a:prstGeom prst="rect">
-            <a:avLst/>
-          </a:prstGeom>
-          <a:noFill/>
-        </p:spPr>
-        <p:txBody>
-          <a:bodyPr wrap="none" lIns="72000" rIns="72000" rtlCol="0">
-            <a:spAutoFit/>
-          </a:bodyPr>
-          <a:lstStyle/>
-          <a:p>
-            <a:r>
-              <a:rPr lang="de-DE" dirty="0">
-                <a:latin typeface="+mn-lt"/>
-              </a:rPr>
-              <a:t>my-application.jar</a:t>
-            </a:r>
-            <a:endParaRPr lang="de-DE" sz="1400" dirty="0">
-              <a:latin typeface="+mn-lt"/>
-            </a:endParaRPr>
-          </a:p>
-        </p:txBody>
-      </p:sp>
-      <p:sp>
-        <p:nvSpPr>
-          <p:cNvPr id="10" name="Rechteck 40">
-            <a:extLst>
-              <a:ext uri="{FF2B5EF4-FFF2-40B4-BE49-F238E27FC236}">
-                <a16:creationId xmlns:a16="http://schemas.microsoft.com/office/drawing/2014/main" id="{23D6A80D-AC47-4733-938A-A32F5C226662}"/>
-              </a:ext>
-            </a:extLst>
-          </p:cNvPr>
-          <p:cNvSpPr/>
-          <p:nvPr/>
-        </p:nvSpPr>
-        <p:spPr bwMode="auto">
-          <a:xfrm>
-            <a:off x="1161569" y="1831611"/>
-            <a:ext cx="2115029" cy="360040"/>
-          </a:xfrm>
-          <a:prstGeom prst="rect">
-            <a:avLst/>
-          </a:prstGeom>
-          <a:solidFill>
-            <a:schemeClr val="accent3">
-              <a:lumMod val="20000"/>
-              <a:lumOff val="80000"/>
-            </a:schemeClr>
-          </a:solidFill>
-          <a:ln>
-            <a:noFill/>
-            <a:headEnd type="none" w="med" len="med"/>
-            <a:tailEnd type="none" w="med" len="med"/>
-          </a:ln>
-        </p:spPr>
-        <p:style>
-          <a:lnRef idx="1">
-            <a:schemeClr val="accent2"/>
-          </a:lnRef>
-          <a:fillRef idx="2">
-            <a:schemeClr val="accent2"/>
-          </a:fillRef>
-          <a:effectRef idx="1">
-            <a:schemeClr val="accent2"/>
-          </a:effectRef>
-          <a:fontRef idx="minor">
-            <a:schemeClr val="dk1"/>
-          </a:fontRef>
-        </p:style>
-        <p:txBody>
-          <a:bodyPr vert="horz" wrap="square" lIns="72000" tIns="46800" rIns="72000" bIns="46800" numCol="1" rtlCol="0" anchor="ctr" anchorCtr="0" compatLnSpc="1">
-            <a:prstTxWarp prst="textNoShape">
-              <a:avLst/>
-            </a:prstTxWarp>
-          </a:bodyPr>
-          <a:lstStyle/>
-          <a:p>
-            <a:pPr algn="ctr"/>
-            <a:r>
-              <a:rPr lang="de-DE" dirty="0">
-                <a:solidFill>
-                  <a:schemeClr val="tx1"/>
-                </a:solidFill>
-              </a:rPr>
-              <a:t>MyClass.java</a:t>
-            </a:r>
-          </a:p>
-        </p:txBody>
-      </p:sp>
-      <p:sp>
-        <p:nvSpPr>
-          <p:cNvPr id="11" name="Rechteck 42">
-            <a:extLst>
-              <a:ext uri="{FF2B5EF4-FFF2-40B4-BE49-F238E27FC236}">
-                <a16:creationId xmlns:a16="http://schemas.microsoft.com/office/drawing/2014/main" id="{5CEE828F-951B-4435-9CB4-A58F3E2800CB}"/>
-              </a:ext>
-            </a:extLst>
-          </p:cNvPr>
-          <p:cNvSpPr/>
-          <p:nvPr/>
-        </p:nvSpPr>
-        <p:spPr bwMode="auto">
-          <a:xfrm>
-            <a:off x="1150639" y="2288811"/>
-            <a:ext cx="2115029" cy="360040"/>
-          </a:xfrm>
-          <a:prstGeom prst="rect">
-            <a:avLst/>
-          </a:prstGeom>
-          <a:solidFill>
-            <a:schemeClr val="accent3">
-              <a:lumMod val="20000"/>
-              <a:lumOff val="80000"/>
-            </a:schemeClr>
-          </a:solidFill>
-          <a:ln>
-            <a:noFill/>
-            <a:headEnd type="none" w="med" len="med"/>
-            <a:tailEnd type="none" w="med" len="med"/>
-          </a:ln>
-        </p:spPr>
-        <p:style>
-          <a:lnRef idx="1">
-            <a:schemeClr val="accent2"/>
-          </a:lnRef>
-          <a:fillRef idx="2">
-            <a:schemeClr val="accent2"/>
-          </a:fillRef>
-          <a:effectRef idx="1">
-            <a:schemeClr val="accent2"/>
-          </a:effectRef>
-          <a:fontRef idx="minor">
-            <a:schemeClr val="dk1"/>
-          </a:fontRef>
-        </p:style>
-        <p:txBody>
-          <a:bodyPr vert="horz" wrap="square" lIns="72000" tIns="46800" rIns="72000" bIns="46800" numCol="1" rtlCol="0" anchor="ctr" anchorCtr="0" compatLnSpc="1">
-            <a:prstTxWarp prst="textNoShape">
-              <a:avLst/>
-            </a:prstTxWarp>
-          </a:bodyPr>
-          <a:lstStyle/>
-          <a:p>
-            <a:pPr algn="ctr"/>
-            <a:r>
-              <a:rPr lang="de-DE" dirty="0">
-                <a:solidFill>
-                  <a:schemeClr val="tx1"/>
-                </a:solidFill>
-              </a:rPr>
-              <a:t>task-form.html</a:t>
-            </a:r>
-          </a:p>
-        </p:txBody>
-      </p:sp>
-      <p:sp>
-        <p:nvSpPr>
-          <p:cNvPr id="12" name="Rechteck 44">
-            <a:extLst>
-              <a:ext uri="{FF2B5EF4-FFF2-40B4-BE49-F238E27FC236}">
-                <a16:creationId xmlns:a16="http://schemas.microsoft.com/office/drawing/2014/main" id="{552032FB-757C-4264-8C5A-27917B35FFD1}"/>
-              </a:ext>
-            </a:extLst>
-          </p:cNvPr>
-          <p:cNvSpPr/>
-          <p:nvPr/>
-        </p:nvSpPr>
-        <p:spPr bwMode="auto">
-          <a:xfrm>
-            <a:off x="1150639" y="3886200"/>
-            <a:ext cx="2115029" cy="360040"/>
-          </a:xfrm>
-          <a:prstGeom prst="rect">
-            <a:avLst/>
-          </a:prstGeom>
-          <a:solidFill>
-            <a:schemeClr val="accent3">
-              <a:lumMod val="20000"/>
-              <a:lumOff val="80000"/>
-            </a:schemeClr>
-          </a:solidFill>
-          <a:ln>
-            <a:noFill/>
-            <a:headEnd type="none" w="med" len="med"/>
-            <a:tailEnd type="none" w="med" len="med"/>
-          </a:ln>
-        </p:spPr>
-        <p:style>
-          <a:lnRef idx="1">
-            <a:schemeClr val="accent2"/>
-          </a:lnRef>
-          <a:fillRef idx="2">
-            <a:schemeClr val="accent2"/>
-          </a:fillRef>
-          <a:effectRef idx="1">
-            <a:schemeClr val="accent2"/>
-          </a:effectRef>
-          <a:fontRef idx="minor">
-            <a:schemeClr val="dk1"/>
-          </a:fontRef>
-        </p:style>
-        <p:txBody>
-          <a:bodyPr vert="horz" wrap="square" lIns="72000" tIns="46800" rIns="72000" bIns="46800" numCol="1" rtlCol="0" anchor="ctr" anchorCtr="0" compatLnSpc="1">
-            <a:prstTxWarp prst="textNoShape">
-              <a:avLst/>
-            </a:prstTxWarp>
-          </a:bodyPr>
-          <a:lstStyle/>
+              <a:t>Workflow Engine</a:t>
+            </a:r>
+          </a:p>
           <a:p>
             <a:pPr marL="0" marR="0" indent="0" algn="ctr" defTabSz="914400" rtl="0" eaLnBrk="1" fontAlgn="base" latinLnBrk="0" hangingPunct="1">
               <a:lnSpc>
@@ -16427,14 +15267,19 @@
               <a:tabLst/>
             </a:pPr>
             <a:r>
-              <a:rPr lang="de-DE" dirty="0">
+              <a:rPr kumimoji="0" lang="de-DE" sz="1400" i="0" u="none" strike="noStrike" cap="none" normalizeH="0" baseline="0" dirty="0" err="1">
+                <a:ln>
+                  <a:noFill/>
+                </a:ln>
                 <a:solidFill>
                   <a:schemeClr val="tx1"/>
                 </a:solidFill>
+                <a:effectLst/>
+                <a:latin typeface="+mn-lt"/>
               </a:rPr>
-              <a:t>some-library.jar</a:t>
-            </a:r>
-            <a:endParaRPr kumimoji="0" lang="de-DE" sz="1400" b="0" i="0" u="none" strike="noStrike" cap="none" normalizeH="0" baseline="0" dirty="0">
+              <a:t>Runtime</a:t>
+            </a:r>
+            <a:endParaRPr kumimoji="0" lang="de-DE" sz="1400" i="0" u="none" strike="noStrike" cap="none" normalizeH="0" baseline="0" dirty="0">
               <a:ln>
                 <a:noFill/>
               </a:ln>
@@ -16449,10 +15294,10 @@
       </p:sp>
       <p:sp>
         <p:nvSpPr>
-          <p:cNvPr id="13" name="Rechteck 40">
+          <p:cNvPr id="4" name="Rechteck 40">
             <a:extLst>
               <a:ext uri="{FF2B5EF4-FFF2-40B4-BE49-F238E27FC236}">
-                <a16:creationId xmlns:a16="http://schemas.microsoft.com/office/drawing/2014/main" id="{7B21CACD-D920-4845-8964-071D3EE0734C}"/>
+                <a16:creationId xmlns:a16="http://schemas.microsoft.com/office/drawing/2014/main" id="{F6799A26-2E2D-47DF-BDC4-20A3D040218A}"/>
               </a:ext>
             </a:extLst>
           </p:cNvPr>
@@ -16461,8 +15306,8 @@
         </p:nvSpPr>
         <p:spPr bwMode="auto">
           <a:xfrm>
-            <a:off x="1161568" y="1374411"/>
-            <a:ext cx="2115031" cy="360040"/>
+            <a:off x="2438400" y="4191000"/>
+            <a:ext cx="2191344" cy="1143000"/>
           </a:xfrm>
           <a:prstGeom prst="rect">
             <a:avLst/>
@@ -16493,7 +15338,7 @@
           </a:fontRef>
         </p:style>
         <p:txBody>
-          <a:bodyPr vert="horz" wrap="square" lIns="72000" tIns="46800" rIns="72000" bIns="46800" numCol="1" rtlCol="0" anchor="ctr" anchorCtr="0" compatLnSpc="1">
+          <a:bodyPr vert="horz" wrap="square" lIns="72000" tIns="46800" rIns="72000" bIns="46800" numCol="1" rtlCol="0" anchor="b" anchorCtr="0" compatLnSpc="1">
             <a:prstTxWarp prst="textNoShape">
               <a:avLst/>
             </a:prstTxWarp>
@@ -16522,22 +15367,57 @@
                   <a:schemeClr val="tx1"/>
                 </a:solidFill>
               </a:rPr>
-              <a:t>m</a:t>
-            </a:r>
-            <a:r>
-              <a:rPr kumimoji="0" lang="de-DE" sz="1400" b="0" i="0" u="none" strike="noStrike" cap="none" normalizeH="0" baseline="0" dirty="0" err="1">
-                <a:ln>
-                  <a:noFill/>
-                </a:ln>
+              <a:t>History</a:t>
+            </a:r>
+            <a:r>
+              <a:rPr lang="de-DE" dirty="0">
                 <a:solidFill>
                   <a:schemeClr val="tx1"/>
                 </a:solidFill>
-                <a:effectLst/>
-                <a:latin typeface="+mn-lt"/>
               </a:rPr>
-              <a:t>y-process.bpmn</a:t>
-            </a:r>
-            <a:endParaRPr kumimoji="0" lang="de-DE" sz="1400" b="0" i="0" u="none" strike="noStrike" cap="none" normalizeH="0" baseline="0" dirty="0">
+              <a:t> </a:t>
+            </a:r>
+            <a:r>
+              <a:rPr lang="de-DE" dirty="0" err="1">
+                <a:solidFill>
+                  <a:schemeClr val="tx1"/>
+                </a:solidFill>
+              </a:rPr>
+              <a:t>optimized</a:t>
+            </a:r>
+            <a:r>
+              <a:rPr lang="de-DE" dirty="0">
+                <a:solidFill>
+                  <a:schemeClr val="tx1"/>
+                </a:solidFill>
+              </a:rPr>
+              <a:t> </a:t>
+            </a:r>
+            <a:r>
+              <a:rPr lang="de-DE" dirty="0" err="1">
+                <a:solidFill>
+                  <a:schemeClr val="tx1"/>
+                </a:solidFill>
+              </a:rPr>
+              <a:t>for</a:t>
+            </a:r>
+            <a:r>
+              <a:rPr lang="de-DE" dirty="0">
+                <a:solidFill>
+                  <a:schemeClr val="tx1"/>
+                </a:solidFill>
+              </a:rPr>
+              <a:t> </a:t>
+            </a:r>
+            <a:r>
+              <a:rPr lang="de-DE" dirty="0" err="1">
+                <a:solidFill>
+                  <a:schemeClr val="tx1"/>
+                </a:solidFill>
+              </a:rPr>
+              <a:t>Operations</a:t>
+            </a:r>
+            <a:endParaRPr kumimoji="0" lang="de-DE" sz="1400" i="0" u="none" strike="noStrike" cap="none" normalizeH="0" baseline="0" dirty="0">
               <a:ln>
                 <a:noFill/>
               </a:ln>
@@ -16552,253 +15432,10 @@
       </p:sp>
       <p:sp>
         <p:nvSpPr>
-          <p:cNvPr id="8" name="Rechteck 40">
+          <p:cNvPr id="5" name="Arrow: Down 4">
             <a:extLst>
               <a:ext uri="{FF2B5EF4-FFF2-40B4-BE49-F238E27FC236}">
-                <a16:creationId xmlns:a16="http://schemas.microsoft.com/office/drawing/2014/main" id="{F24E9943-E485-4C1E-B046-604CDB86CB18}"/>
-              </a:ext>
-            </a:extLst>
-          </p:cNvPr>
-          <p:cNvSpPr/>
-          <p:nvPr/>
-        </p:nvSpPr>
-        <p:spPr bwMode="auto">
-          <a:xfrm>
-            <a:off x="1172498" y="2746011"/>
-            <a:ext cx="2115029" cy="360040"/>
-          </a:xfrm>
-          <a:prstGeom prst="rect">
-            <a:avLst/>
-          </a:prstGeom>
-          <a:solidFill>
-            <a:schemeClr val="accent3">
-              <a:lumMod val="20000"/>
-              <a:lumOff val="80000"/>
-            </a:schemeClr>
-          </a:solidFill>
-          <a:ln>
-            <a:noFill/>
-            <a:headEnd type="none" w="med" len="med"/>
-            <a:tailEnd type="none" w="med" len="med"/>
-          </a:ln>
-        </p:spPr>
-        <p:style>
-          <a:lnRef idx="1">
-            <a:schemeClr val="accent2"/>
-          </a:lnRef>
-          <a:fillRef idx="2">
-            <a:schemeClr val="accent2"/>
-          </a:fillRef>
-          <a:effectRef idx="1">
-            <a:schemeClr val="accent2"/>
-          </a:effectRef>
-          <a:fontRef idx="minor">
-            <a:schemeClr val="dk1"/>
-          </a:fontRef>
-        </p:style>
-        <p:txBody>
-          <a:bodyPr vert="horz" wrap="square" lIns="72000" tIns="46800" rIns="72000" bIns="46800" numCol="1" rtlCol="0" anchor="ctr" anchorCtr="0" compatLnSpc="1">
-            <a:prstTxWarp prst="textNoShape">
-              <a:avLst/>
-            </a:prstTxWarp>
-          </a:bodyPr>
-          <a:lstStyle/>
-          <a:p>
-            <a:pPr algn="ctr"/>
-            <a:r>
-              <a:rPr lang="de-DE" dirty="0">
-                <a:solidFill>
-                  <a:schemeClr val="tx1"/>
-                </a:solidFill>
-              </a:rPr>
-              <a:t>MyClass</a:t>
-            </a:r>
-            <a:r>
-              <a:rPr lang="de-DE" b="1" dirty="0">
-                <a:solidFill>
-                  <a:schemeClr val="tx1"/>
-                </a:solidFill>
-              </a:rPr>
-              <a:t>V2</a:t>
-            </a:r>
-            <a:r>
-              <a:rPr lang="de-DE" dirty="0">
-                <a:solidFill>
-                  <a:schemeClr val="tx1"/>
-                </a:solidFill>
-              </a:rPr>
-              <a:t>.java</a:t>
-            </a:r>
-          </a:p>
-        </p:txBody>
-      </p:sp>
-      <p:sp>
-        <p:nvSpPr>
-          <p:cNvPr id="14" name="Rechteck 42">
-            <a:extLst>
-              <a:ext uri="{FF2B5EF4-FFF2-40B4-BE49-F238E27FC236}">
-                <a16:creationId xmlns:a16="http://schemas.microsoft.com/office/drawing/2014/main" id="{A4CCD3B0-45F3-4398-8C14-269DF0CB66EF}"/>
-              </a:ext>
-            </a:extLst>
-          </p:cNvPr>
-          <p:cNvSpPr/>
-          <p:nvPr/>
-        </p:nvSpPr>
-        <p:spPr bwMode="auto">
-          <a:xfrm>
-            <a:off x="1161568" y="3203211"/>
-            <a:ext cx="2115029" cy="360040"/>
-          </a:xfrm>
-          <a:prstGeom prst="rect">
-            <a:avLst/>
-          </a:prstGeom>
-          <a:solidFill>
-            <a:schemeClr val="accent3">
-              <a:lumMod val="20000"/>
-              <a:lumOff val="80000"/>
-            </a:schemeClr>
-          </a:solidFill>
-          <a:ln>
-            <a:noFill/>
-            <a:headEnd type="none" w="med" len="med"/>
-            <a:tailEnd type="none" w="med" len="med"/>
-          </a:ln>
-        </p:spPr>
-        <p:style>
-          <a:lnRef idx="1">
-            <a:schemeClr val="accent2"/>
-          </a:lnRef>
-          <a:fillRef idx="2">
-            <a:schemeClr val="accent2"/>
-          </a:fillRef>
-          <a:effectRef idx="1">
-            <a:schemeClr val="accent2"/>
-          </a:effectRef>
-          <a:fontRef idx="minor">
-            <a:schemeClr val="dk1"/>
-          </a:fontRef>
-        </p:style>
-        <p:txBody>
-          <a:bodyPr vert="horz" wrap="square" lIns="72000" tIns="46800" rIns="72000" bIns="46800" numCol="1" rtlCol="0" anchor="ctr" anchorCtr="0" compatLnSpc="1">
-            <a:prstTxWarp prst="textNoShape">
-              <a:avLst/>
-            </a:prstTxWarp>
-          </a:bodyPr>
-          <a:lstStyle/>
-          <a:p>
-            <a:pPr algn="ctr"/>
-            <a:r>
-              <a:rPr lang="de-DE" dirty="0">
-                <a:solidFill>
-                  <a:schemeClr val="tx1"/>
-                </a:solidFill>
-              </a:rPr>
-              <a:t>task-form</a:t>
-            </a:r>
-            <a:r>
-              <a:rPr lang="de-DE" b="1" dirty="0">
-                <a:solidFill>
-                  <a:schemeClr val="tx1"/>
-                </a:solidFill>
-              </a:rPr>
-              <a:t>-v2</a:t>
-            </a:r>
-            <a:r>
-              <a:rPr lang="de-DE" dirty="0">
-                <a:solidFill>
-                  <a:schemeClr val="tx1"/>
-                </a:solidFill>
-              </a:rPr>
-              <a:t>.html</a:t>
-            </a:r>
-          </a:p>
-        </p:txBody>
-      </p:sp>
-      <p:sp>
-        <p:nvSpPr>
-          <p:cNvPr id="2" name="TextBox 1">
-            <a:extLst>
-              <a:ext uri="{FF2B5EF4-FFF2-40B4-BE49-F238E27FC236}">
-                <a16:creationId xmlns:a16="http://schemas.microsoft.com/office/drawing/2014/main" id="{C8E05772-D223-4362-93C6-30C59E5E83D6}"/>
-              </a:ext>
-            </a:extLst>
-          </p:cNvPr>
-          <p:cNvSpPr txBox="1"/>
-          <p:nvPr/>
-        </p:nvSpPr>
-        <p:spPr>
-          <a:xfrm>
-            <a:off x="4038600" y="1314365"/>
-            <a:ext cx="1828800" cy="480131"/>
-          </a:xfrm>
-          <a:prstGeom prst="rect">
-            <a:avLst/>
-          </a:prstGeom>
-          <a:noFill/>
-        </p:spPr>
-        <p:txBody>
-          <a:bodyPr wrap="square" rtlCol="0">
-            <a:spAutoFit/>
-          </a:bodyPr>
-          <a:lstStyle/>
-          <a:p>
-            <a:r>
-              <a:rPr lang="en-US" b="1" dirty="0"/>
-              <a:t>V2</a:t>
-            </a:r>
-            <a:r>
-              <a:rPr lang="en-US" dirty="0"/>
-              <a:t> gets created in the workflow engine</a:t>
-            </a:r>
-            <a:endParaRPr lang="en-DE" dirty="0"/>
-          </a:p>
-        </p:txBody>
-      </p:sp>
-      <p:cxnSp>
-        <p:nvCxnSpPr>
-          <p:cNvPr id="4" name="Straight Connector 3">
-            <a:extLst>
-              <a:ext uri="{FF2B5EF4-FFF2-40B4-BE49-F238E27FC236}">
-                <a16:creationId xmlns:a16="http://schemas.microsoft.com/office/drawing/2014/main" id="{CE4DA062-EC65-425C-B820-9B8AEB4EB812}"/>
-              </a:ext>
-            </a:extLst>
-          </p:cNvPr>
-          <p:cNvCxnSpPr/>
-          <p:nvPr/>
-        </p:nvCxnSpPr>
-        <p:spPr>
-          <a:xfrm flipH="1">
-            <a:off x="3429000" y="1554431"/>
-            <a:ext cx="457200" cy="0"/>
-          </a:xfrm>
-          <a:prstGeom prst="line">
-            <a:avLst/>
-          </a:prstGeom>
-          <a:ln w="25400">
-            <a:tailEnd type="triangle"/>
-          </a:ln>
-        </p:spPr>
-        <p:style>
-          <a:lnRef idx="1">
-            <a:schemeClr val="accent1"/>
-          </a:lnRef>
-          <a:fillRef idx="0">
-            <a:schemeClr val="accent1"/>
-          </a:fillRef>
-          <a:effectRef idx="0">
-            <a:schemeClr val="accent1"/>
-          </a:effectRef>
-          <a:fontRef idx="minor">
-            <a:schemeClr val="tx1"/>
-          </a:fontRef>
-        </p:style>
-      </p:cxnSp>
-      <p:sp>
-        <p:nvSpPr>
-          <p:cNvPr id="5" name="Rectangle 4">
-            <a:extLst>
-              <a:ext uri="{FF2B5EF4-FFF2-40B4-BE49-F238E27FC236}">
-                <a16:creationId xmlns:a16="http://schemas.microsoft.com/office/drawing/2014/main" id="{9CC60FFD-E0C3-4F08-B068-324067978416}"/>
+                <a16:creationId xmlns:a16="http://schemas.microsoft.com/office/drawing/2014/main" id="{0CABE5BB-3065-4757-A422-54F11165C0DC}"/>
               </a:ext>
             </a:extLst>
           </p:cNvPr>
@@ -16807,13 +15444,18 @@
         </p:nvSpPr>
         <p:spPr>
           <a:xfrm>
-            <a:off x="3581400" y="1905000"/>
-            <a:ext cx="2895600" cy="457199"/>
+            <a:off x="4114800" y="2362200"/>
+            <a:ext cx="304800" cy="609600"/>
           </a:xfrm>
-          <a:prstGeom prst="rect">
+          <a:prstGeom prst="downArrow">
             <a:avLst/>
           </a:prstGeom>
-          <a:noFill/>
+          <a:solidFill>
+            <a:schemeClr val="accent1">
+              <a:lumMod val="20000"/>
+              <a:lumOff val="80000"/>
+            </a:schemeClr>
+          </a:solidFill>
           <a:ln>
             <a:noFill/>
           </a:ln>
@@ -16847,62 +15489,132 @@
           </a:p>
         </p:txBody>
       </p:sp>
-    </p:spTree>
-    <p:extLst>
-      <p:ext uri="{BB962C8B-B14F-4D97-AF65-F5344CB8AC3E}">
-        <p14:creationId xmlns:p14="http://schemas.microsoft.com/office/powerpoint/2010/main" val="826342552"/>
-      </p:ext>
-    </p:extLst>
-  </p:cSld>
-  <p:clrMapOvr>
-    <a:masterClrMapping/>
-  </p:clrMapOvr>
-</p:sld>
-</file>
-
-<file path=ppt/slides/slide4.xml><?xml version="1.0" encoding="utf-8"?>
-<p:sld xmlns:a="http://schemas.openxmlformats.org/drawingml/2006/main" xmlns:r="http://schemas.openxmlformats.org/officeDocument/2006/relationships" xmlns:p="http://schemas.openxmlformats.org/presentationml/2006/main">
-  <p:cSld>
-    <p:bg>
-      <p:bgPr>
-        <a:solidFill>
-          <a:schemeClr val="bg1"/>
-        </a:solidFill>
-        <a:effectLst/>
-      </p:bgPr>
-    </p:bg>
-    <p:spTree>
-      <p:nvGrpSpPr>
-        <p:cNvPr id="1" name=""/>
-        <p:cNvGrpSpPr/>
-        <p:nvPr/>
-      </p:nvGrpSpPr>
-      <p:grpSpPr>
-        <a:xfrm>
-          <a:off x="0" y="0"/>
-          <a:ext cx="0" cy="0"/>
-          <a:chOff x="0" y="0"/>
-          <a:chExt cx="0" cy="0"/>
-        </a:xfrm>
-      </p:grpSpPr>
       <p:sp>
         <p:nvSpPr>
-          <p:cNvPr id="15" name="Rechteck 32">
+          <p:cNvPr id="6" name="Cylinder 5">
             <a:extLst>
               <a:ext uri="{FF2B5EF4-FFF2-40B4-BE49-F238E27FC236}">
-                <a16:creationId xmlns:a16="http://schemas.microsoft.com/office/drawing/2014/main" id="{E2124796-0706-4637-B495-63F682DD2A61}"/>
+                <a16:creationId xmlns:a16="http://schemas.microsoft.com/office/drawing/2014/main" id="{7D7DEB80-D7B6-423A-8691-C13A7169752A}"/>
               </a:ext>
             </a:extLst>
           </p:cNvPr>
           <p:cNvSpPr/>
           <p:nvPr/>
         </p:nvSpPr>
-        <p:spPr bwMode="auto">
+        <p:spPr>
           <a:xfrm>
-            <a:off x="1066800" y="1752600"/>
-            <a:ext cx="2971800" cy="2667000"/>
+            <a:off x="3733800" y="3056965"/>
+            <a:ext cx="1066800" cy="457200"/>
+          </a:xfrm>
+          <a:prstGeom prst="can">
+            <a:avLst/>
+          </a:prstGeom>
+          <a:solidFill>
+            <a:schemeClr val="bg1"/>
+          </a:solidFill>
+          <a:ln>
+            <a:solidFill>
+              <a:schemeClr val="accent1"/>
+            </a:solidFill>
+          </a:ln>
+        </p:spPr>
+        <p:style>
+          <a:lnRef idx="2">
+            <a:schemeClr val="accent1">
+              <a:shade val="50000"/>
+            </a:schemeClr>
+          </a:lnRef>
+          <a:fillRef idx="1">
+            <a:schemeClr val="accent1"/>
+          </a:fillRef>
+          <a:effectRef idx="0">
+            <a:schemeClr val="accent1"/>
+          </a:effectRef>
+          <a:fontRef idx="minor">
+            <a:schemeClr val="lt1"/>
+          </a:fontRef>
+        </p:style>
+        <p:txBody>
+          <a:bodyPr rtlCol="0" anchor="ctr"/>
+          <a:lstStyle/>
+          <a:p>
+            <a:pPr algn="ctr"/>
+            <a:r>
+              <a:rPr lang="en-US" dirty="0">
+                <a:solidFill>
+                  <a:schemeClr val="tx1"/>
+                </a:solidFill>
+              </a:rPr>
+              <a:t>Elastic</a:t>
+            </a:r>
+            <a:endParaRPr lang="en-DE" dirty="0" err="1">
+              <a:solidFill>
+                <a:schemeClr val="tx1"/>
+              </a:solidFill>
+            </a:endParaRPr>
+          </a:p>
+        </p:txBody>
+      </p:sp>
+      <p:sp>
+        <p:nvSpPr>
+          <p:cNvPr id="7" name="TextBox 6">
+            <a:extLst>
+              <a:ext uri="{FF2B5EF4-FFF2-40B4-BE49-F238E27FC236}">
+                <a16:creationId xmlns:a16="http://schemas.microsoft.com/office/drawing/2014/main" id="{7DDF6A81-D967-4A83-9448-FC4B9517EBB2}"/>
+              </a:ext>
+            </a:extLst>
+          </p:cNvPr>
+          <p:cNvSpPr txBox="1"/>
+          <p:nvPr/>
+        </p:nvSpPr>
+        <p:spPr>
+          <a:xfrm>
+            <a:off x="4549587" y="2301023"/>
+            <a:ext cx="2057400" cy="674031"/>
           </a:xfrm>
           <a:prstGeom prst="rect">
+            <a:avLst/>
+          </a:prstGeom>
+          <a:noFill/>
+        </p:spPr>
+        <p:txBody>
+          <a:bodyPr wrap="square" rtlCol="0">
+            <a:spAutoFit/>
+          </a:bodyPr>
+          <a:lstStyle/>
+          <a:p>
+            <a:r>
+              <a:rPr lang="en-US" dirty="0"/>
+              <a:t>Export all events </a:t>
+            </a:r>
+          </a:p>
+          <a:p>
+            <a:r>
+              <a:rPr lang="en-US" dirty="0"/>
+              <a:t>into “load area” of Elastic</a:t>
+            </a:r>
+            <a:endParaRPr lang="en-DE" dirty="0"/>
+          </a:p>
+        </p:txBody>
+      </p:sp>
+      <p:sp>
+        <p:nvSpPr>
+          <p:cNvPr id="8" name="Arrow: Down 7">
+            <a:extLst>
+              <a:ext uri="{FF2B5EF4-FFF2-40B4-BE49-F238E27FC236}">
+                <a16:creationId xmlns:a16="http://schemas.microsoft.com/office/drawing/2014/main" id="{D0AB1EAD-6C5D-498E-922D-7E6628184B27}"/>
+              </a:ext>
+            </a:extLst>
+          </p:cNvPr>
+          <p:cNvSpPr/>
+          <p:nvPr/>
+        </p:nvSpPr>
+        <p:spPr>
+          <a:xfrm rot="13088037">
+            <a:off x="3733799" y="3536802"/>
+            <a:ext cx="304800" cy="609600"/>
+          </a:xfrm>
+          <a:prstGeom prst="downArrow">
             <a:avLst/>
           </a:prstGeom>
           <a:solidFill>
@@ -16913,107 +15625,109 @@
           </a:solidFill>
           <a:ln>
             <a:noFill/>
-            <a:headEnd type="none" w="med" len="med"/>
-            <a:tailEnd type="none" w="med" len="med"/>
           </a:ln>
         </p:spPr>
         <p:style>
-          <a:lnRef idx="1">
-            <a:schemeClr val="accent5"/>
+          <a:lnRef idx="2">
+            <a:schemeClr val="accent1">
+              <a:shade val="50000"/>
+            </a:schemeClr>
           </a:lnRef>
-          <a:fillRef idx="2">
-            <a:schemeClr val="accent5"/>
+          <a:fillRef idx="1">
+            <a:schemeClr val="accent1"/>
           </a:fillRef>
-          <a:effectRef idx="1">
-            <a:schemeClr val="accent5"/>
+          <a:effectRef idx="0">
+            <a:schemeClr val="accent1"/>
           </a:effectRef>
           <a:fontRef idx="minor">
-            <a:schemeClr val="dk1"/>
+            <a:schemeClr val="lt1"/>
           </a:fontRef>
         </p:style>
         <p:txBody>
-          <a:bodyPr vert="horz" wrap="square" lIns="72000" tIns="46800" rIns="72000" bIns="46800" numCol="1" rtlCol="0" anchor="ctr" anchorCtr="0" compatLnSpc="1">
-            <a:prstTxWarp prst="textNoShape">
-              <a:avLst/>
-            </a:prstTxWarp>
-          </a:bodyPr>
+          <a:bodyPr rtlCol="0" anchor="ctr"/>
           <a:lstStyle/>
           <a:p>
-            <a:pPr marL="0" marR="0" indent="0" algn="l" defTabSz="914400" rtl="0" eaLnBrk="1" fontAlgn="base" latinLnBrk="0" hangingPunct="1">
-              <a:lnSpc>
-                <a:spcPct val="90000"/>
-              </a:lnSpc>
-              <a:spcBef>
-                <a:spcPct val="0"/>
-              </a:spcBef>
-              <a:spcAft>
-                <a:spcPct val="0"/>
-              </a:spcAft>
-              <a:buClrTx/>
-              <a:buSzTx/>
-              <a:buFontTx/>
-              <a:buNone/>
-              <a:tabLst/>
-            </a:pPr>
-            <a:endParaRPr kumimoji="0" lang="de-DE" sz="1400" b="0" i="0" u="none" strike="noStrike" cap="none" normalizeH="0" baseline="0" dirty="0">
-              <a:ln>
-                <a:noFill/>
-              </a:ln>
+            <a:pPr algn="ctr"/>
+            <a:endParaRPr lang="en-DE" dirty="0" err="1">
               <a:solidFill>
                 <a:schemeClr val="tx1"/>
               </a:solidFill>
-              <a:effectLst/>
-              <a:latin typeface="+mn-lt"/>
             </a:endParaRPr>
           </a:p>
         </p:txBody>
       </p:sp>
       <p:sp>
         <p:nvSpPr>
-          <p:cNvPr id="16" name="Textfeld 33">
+          <p:cNvPr id="9" name="Cylinder 8">
             <a:extLst>
               <a:ext uri="{FF2B5EF4-FFF2-40B4-BE49-F238E27FC236}">
-                <a16:creationId xmlns:a16="http://schemas.microsoft.com/office/drawing/2014/main" id="{59B5446F-016E-4DE9-A88D-F29EAC605EED}"/>
+                <a16:creationId xmlns:a16="http://schemas.microsoft.com/office/drawing/2014/main" id="{6BDCD5F5-6AEA-477A-98AE-B17D0A0E0CAF}"/>
               </a:ext>
             </a:extLst>
           </p:cNvPr>
-          <p:cNvSpPr txBox="1"/>
+          <p:cNvSpPr/>
           <p:nvPr/>
         </p:nvSpPr>
         <p:spPr>
           <a:xfrm>
-            <a:off x="1143000" y="1877590"/>
-            <a:ext cx="1649023" cy="286232"/>
+            <a:off x="3000672" y="4359201"/>
+            <a:ext cx="1066800" cy="457200"/>
           </a:xfrm>
-          <a:prstGeom prst="rect">
+          <a:prstGeom prst="can">
             <a:avLst/>
           </a:prstGeom>
-          <a:noFill/>
+          <a:solidFill>
+            <a:schemeClr val="bg1"/>
+          </a:solidFill>
+          <a:ln>
+            <a:solidFill>
+              <a:schemeClr val="accent1"/>
+            </a:solidFill>
+          </a:ln>
         </p:spPr>
+        <p:style>
+          <a:lnRef idx="2">
+            <a:schemeClr val="accent1">
+              <a:shade val="50000"/>
+            </a:schemeClr>
+          </a:lnRef>
+          <a:fillRef idx="1">
+            <a:schemeClr val="accent1"/>
+          </a:fillRef>
+          <a:effectRef idx="0">
+            <a:schemeClr val="accent1"/>
+          </a:effectRef>
+          <a:fontRef idx="minor">
+            <a:schemeClr val="lt1"/>
+          </a:fontRef>
+        </p:style>
         <p:txBody>
-          <a:bodyPr wrap="none" lIns="72000" rIns="72000" rtlCol="0">
-            <a:spAutoFit/>
-          </a:bodyPr>
+          <a:bodyPr rtlCol="0" anchor="ctr"/>
           <a:lstStyle/>
           <a:p>
-            <a:r>
-              <a:rPr lang="de-DE" dirty="0">
-                <a:latin typeface="+mn-lt"/>
+            <a:pPr algn="ctr"/>
+            <a:r>
+              <a:rPr lang="en-US" dirty="0">
+                <a:solidFill>
+                  <a:schemeClr val="tx1"/>
+                </a:solidFill>
               </a:rPr>
-              <a:t>my-application.jar</a:t>
-            </a:r>
-            <a:endParaRPr lang="de-DE" sz="1400" dirty="0">
-              <a:latin typeface="+mn-lt"/>
+              <a:t>Elastic</a:t>
+            </a:r>
+            <a:endParaRPr lang="en-DE" dirty="0" err="1">
+              <a:solidFill>
+                <a:schemeClr val="tx1"/>
+              </a:solidFill>
             </a:endParaRPr>
           </a:p>
         </p:txBody>
       </p:sp>
       <p:sp>
         <p:nvSpPr>
-          <p:cNvPr id="17" name="Rechteck 40">
+          <p:cNvPr id="10" name="Rechteck 40">
             <a:extLst>
               <a:ext uri="{FF2B5EF4-FFF2-40B4-BE49-F238E27FC236}">
-                <a16:creationId xmlns:a16="http://schemas.microsoft.com/office/drawing/2014/main" id="{8C052604-B626-4FFB-B9BA-3811C5690D63}"/>
+                <a16:creationId xmlns:a16="http://schemas.microsoft.com/office/drawing/2014/main" id="{322A4771-6404-456C-B200-0E9BE6C6994E}"/>
               </a:ext>
             </a:extLst>
           </p:cNvPr>
@@ -17022,231 +15736,8 @@
         </p:nvSpPr>
         <p:spPr bwMode="auto">
           <a:xfrm>
-            <a:off x="1618769" y="2746011"/>
-            <a:ext cx="2115029" cy="360040"/>
-          </a:xfrm>
-          <a:prstGeom prst="rect">
-            <a:avLst/>
-          </a:prstGeom>
-          <a:solidFill>
-            <a:schemeClr val="accent3">
-              <a:lumMod val="20000"/>
-              <a:lumOff val="80000"/>
-            </a:schemeClr>
-          </a:solidFill>
-          <a:ln>
-            <a:noFill/>
-            <a:headEnd type="none" w="med" len="med"/>
-            <a:tailEnd type="none" w="med" len="med"/>
-          </a:ln>
-        </p:spPr>
-        <p:style>
-          <a:lnRef idx="1">
-            <a:schemeClr val="accent2"/>
-          </a:lnRef>
-          <a:fillRef idx="2">
-            <a:schemeClr val="accent2"/>
-          </a:fillRef>
-          <a:effectRef idx="1">
-            <a:schemeClr val="accent2"/>
-          </a:effectRef>
-          <a:fontRef idx="minor">
-            <a:schemeClr val="dk1"/>
-          </a:fontRef>
-        </p:style>
-        <p:txBody>
-          <a:bodyPr vert="horz" wrap="square" lIns="72000" tIns="46800" rIns="72000" bIns="46800" numCol="1" rtlCol="0" anchor="ctr" anchorCtr="0" compatLnSpc="1">
-            <a:prstTxWarp prst="textNoShape">
-              <a:avLst/>
-            </a:prstTxWarp>
-          </a:bodyPr>
-          <a:lstStyle/>
-          <a:p>
-            <a:pPr algn="ctr"/>
-            <a:r>
-              <a:rPr lang="de-DE" dirty="0">
-                <a:solidFill>
-                  <a:schemeClr val="tx1"/>
-                </a:solidFill>
-              </a:rPr>
-              <a:t>MyClass.java</a:t>
-            </a:r>
-          </a:p>
-        </p:txBody>
-      </p:sp>
-      <p:sp>
-        <p:nvSpPr>
-          <p:cNvPr id="18" name="Rechteck 42">
-            <a:extLst>
-              <a:ext uri="{FF2B5EF4-FFF2-40B4-BE49-F238E27FC236}">
-                <a16:creationId xmlns:a16="http://schemas.microsoft.com/office/drawing/2014/main" id="{BBB7F91A-DA5D-43EA-B028-D7131815BCFA}"/>
-              </a:ext>
-            </a:extLst>
-          </p:cNvPr>
-          <p:cNvSpPr/>
-          <p:nvPr/>
-        </p:nvSpPr>
-        <p:spPr bwMode="auto">
-          <a:xfrm>
-            <a:off x="1607839" y="3203211"/>
-            <a:ext cx="2115029" cy="360040"/>
-          </a:xfrm>
-          <a:prstGeom prst="rect">
-            <a:avLst/>
-          </a:prstGeom>
-          <a:solidFill>
-            <a:schemeClr val="accent3">
-              <a:lumMod val="20000"/>
-              <a:lumOff val="80000"/>
-            </a:schemeClr>
-          </a:solidFill>
-          <a:ln>
-            <a:noFill/>
-            <a:headEnd type="none" w="med" len="med"/>
-            <a:tailEnd type="none" w="med" len="med"/>
-          </a:ln>
-        </p:spPr>
-        <p:style>
-          <a:lnRef idx="1">
-            <a:schemeClr val="accent2"/>
-          </a:lnRef>
-          <a:fillRef idx="2">
-            <a:schemeClr val="accent2"/>
-          </a:fillRef>
-          <a:effectRef idx="1">
-            <a:schemeClr val="accent2"/>
-          </a:effectRef>
-          <a:fontRef idx="minor">
-            <a:schemeClr val="dk1"/>
-          </a:fontRef>
-        </p:style>
-        <p:txBody>
-          <a:bodyPr vert="horz" wrap="square" lIns="72000" tIns="46800" rIns="72000" bIns="46800" numCol="1" rtlCol="0" anchor="ctr" anchorCtr="0" compatLnSpc="1">
-            <a:prstTxWarp prst="textNoShape">
-              <a:avLst/>
-            </a:prstTxWarp>
-          </a:bodyPr>
-          <a:lstStyle/>
-          <a:p>
-            <a:pPr algn="ctr"/>
-            <a:r>
-              <a:rPr lang="de-DE" dirty="0">
-                <a:solidFill>
-                  <a:schemeClr val="tx1"/>
-                </a:solidFill>
-              </a:rPr>
-              <a:t>task-form.html</a:t>
-            </a:r>
-          </a:p>
-        </p:txBody>
-      </p:sp>
-      <p:sp>
-        <p:nvSpPr>
-          <p:cNvPr id="19" name="Rechteck 44">
-            <a:extLst>
-              <a:ext uri="{FF2B5EF4-FFF2-40B4-BE49-F238E27FC236}">
-                <a16:creationId xmlns:a16="http://schemas.microsoft.com/office/drawing/2014/main" id="{05D64DF3-2A12-4DAC-884C-0F925A4AB007}"/>
-              </a:ext>
-            </a:extLst>
-          </p:cNvPr>
-          <p:cNvSpPr/>
-          <p:nvPr/>
-        </p:nvSpPr>
-        <p:spPr bwMode="auto">
-          <a:xfrm>
-            <a:off x="1607838" y="3893455"/>
-            <a:ext cx="2115029" cy="360040"/>
-          </a:xfrm>
-          <a:prstGeom prst="rect">
-            <a:avLst/>
-          </a:prstGeom>
-          <a:solidFill>
-            <a:schemeClr val="accent3">
-              <a:lumMod val="20000"/>
-              <a:lumOff val="80000"/>
-            </a:schemeClr>
-          </a:solidFill>
-          <a:ln>
-            <a:noFill/>
-            <a:headEnd type="none" w="med" len="med"/>
-            <a:tailEnd type="none" w="med" len="med"/>
-          </a:ln>
-        </p:spPr>
-        <p:style>
-          <a:lnRef idx="1">
-            <a:schemeClr val="accent2"/>
-          </a:lnRef>
-          <a:fillRef idx="2">
-            <a:schemeClr val="accent2"/>
-          </a:fillRef>
-          <a:effectRef idx="1">
-            <a:schemeClr val="accent2"/>
-          </a:effectRef>
-          <a:fontRef idx="minor">
-            <a:schemeClr val="dk1"/>
-          </a:fontRef>
-        </p:style>
-        <p:txBody>
-          <a:bodyPr vert="horz" wrap="square" lIns="72000" tIns="46800" rIns="72000" bIns="46800" numCol="1" rtlCol="0" anchor="ctr" anchorCtr="0" compatLnSpc="1">
-            <a:prstTxWarp prst="textNoShape">
-              <a:avLst/>
-            </a:prstTxWarp>
-          </a:bodyPr>
-          <a:lstStyle/>
-          <a:p>
-            <a:pPr marL="0" marR="0" indent="0" algn="ctr" defTabSz="914400" rtl="0" eaLnBrk="1" fontAlgn="base" latinLnBrk="0" hangingPunct="1">
-              <a:lnSpc>
-                <a:spcPct val="90000"/>
-              </a:lnSpc>
-              <a:spcBef>
-                <a:spcPct val="0"/>
-              </a:spcBef>
-              <a:spcAft>
-                <a:spcPct val="0"/>
-              </a:spcAft>
-              <a:buClrTx/>
-              <a:buSzTx/>
-              <a:buFontTx/>
-              <a:buNone/>
-              <a:tabLst/>
-            </a:pPr>
-            <a:r>
-              <a:rPr lang="de-DE" dirty="0">
-                <a:solidFill>
-                  <a:schemeClr val="tx1"/>
-                </a:solidFill>
-              </a:rPr>
-              <a:t>some-library.jar</a:t>
-            </a:r>
-            <a:endParaRPr kumimoji="0" lang="de-DE" sz="1400" b="0" i="0" u="none" strike="noStrike" cap="none" normalizeH="0" baseline="0" dirty="0">
-              <a:ln>
-                <a:noFill/>
-              </a:ln>
-              <a:solidFill>
-                <a:schemeClr val="tx1"/>
-              </a:solidFill>
-              <a:effectLst/>
-              <a:latin typeface="+mn-lt"/>
-            </a:endParaRPr>
-          </a:p>
-        </p:txBody>
-      </p:sp>
-      <p:sp>
-        <p:nvSpPr>
-          <p:cNvPr id="20" name="Rechteck 40">
-            <a:extLst>
-              <a:ext uri="{FF2B5EF4-FFF2-40B4-BE49-F238E27FC236}">
-                <a16:creationId xmlns:a16="http://schemas.microsoft.com/office/drawing/2014/main" id="{F1D09BBC-4DE7-4C13-95AE-D4F1850A3A45}"/>
-              </a:ext>
-            </a:extLst>
-          </p:cNvPr>
-          <p:cNvSpPr/>
-          <p:nvPr/>
-        </p:nvSpPr>
-        <p:spPr bwMode="auto">
-          <a:xfrm>
-            <a:off x="1618768" y="2288811"/>
-            <a:ext cx="2115031" cy="360040"/>
+            <a:off x="4876800" y="4191000"/>
+            <a:ext cx="2191344" cy="1143000"/>
           </a:xfrm>
           <a:prstGeom prst="rect">
             <a:avLst/>
@@ -17277,7 +15768,7 @@
           </a:fontRef>
         </p:style>
         <p:txBody>
-          <a:bodyPr vert="horz" wrap="square" lIns="72000" tIns="46800" rIns="72000" bIns="46800" numCol="1" rtlCol="0" anchor="ctr" anchorCtr="0" compatLnSpc="1">
+          <a:bodyPr vert="horz" wrap="square" lIns="72000" tIns="46800" rIns="72000" bIns="46800" numCol="1" rtlCol="0" anchor="b" anchorCtr="0" compatLnSpc="1">
             <a:prstTxWarp prst="textNoShape">
               <a:avLst/>
             </a:prstTxWarp>
@@ -17306,22 +15797,49 @@
                   <a:schemeClr val="tx1"/>
                 </a:solidFill>
               </a:rPr>
-              <a:t>m</a:t>
-            </a:r>
-            <a:r>
-              <a:rPr kumimoji="0" lang="de-DE" sz="1400" b="0" i="0" u="none" strike="noStrike" cap="none" normalizeH="0" baseline="0" dirty="0" err="1">
-                <a:ln>
-                  <a:noFill/>
-                </a:ln>
+              <a:t>History</a:t>
+            </a:r>
+            <a:r>
+              <a:rPr lang="de-DE" dirty="0">
                 <a:solidFill>
                   <a:schemeClr val="tx1"/>
                 </a:solidFill>
-                <a:effectLst/>
-                <a:latin typeface="+mn-lt"/>
               </a:rPr>
-              <a:t>y-process.bpmn</a:t>
-            </a:r>
-            <a:endParaRPr kumimoji="0" lang="de-DE" sz="1400" b="0" i="0" u="none" strike="noStrike" cap="none" normalizeH="0" baseline="0" dirty="0">
+              <a:t> </a:t>
+            </a:r>
+            <a:r>
+              <a:rPr lang="de-DE" dirty="0" err="1">
+                <a:solidFill>
+                  <a:schemeClr val="tx1"/>
+                </a:solidFill>
+              </a:rPr>
+              <a:t>optimized</a:t>
+            </a:r>
+            <a:r>
+              <a:rPr lang="de-DE" dirty="0">
+                <a:solidFill>
+                  <a:schemeClr val="tx1"/>
+                </a:solidFill>
+              </a:rPr>
+              <a:t> </a:t>
+            </a:r>
+            <a:r>
+              <a:rPr lang="de-DE" dirty="0" err="1">
+                <a:solidFill>
+                  <a:schemeClr val="tx1"/>
+                </a:solidFill>
+              </a:rPr>
+              <a:t>for</a:t>
+            </a:r>
+            <a:r>
+              <a:rPr lang="de-DE" dirty="0">
+                <a:solidFill>
+                  <a:schemeClr val="tx1"/>
+                </a:solidFill>
+              </a:rPr>
+              <a:t> BI</a:t>
+            </a:r>
+            <a:endParaRPr kumimoji="0" lang="de-DE" sz="1400" i="0" u="none" strike="noStrike" cap="none" normalizeH="0" baseline="0" dirty="0">
               <a:ln>
                 <a:noFill/>
               </a:ln>
@@ -17336,22 +15854,88 @@
       </p:sp>
       <p:sp>
         <p:nvSpPr>
-          <p:cNvPr id="21" name="Rechteck 32">
+          <p:cNvPr id="11" name="Cylinder 10">
             <a:extLst>
               <a:ext uri="{FF2B5EF4-FFF2-40B4-BE49-F238E27FC236}">
-                <a16:creationId xmlns:a16="http://schemas.microsoft.com/office/drawing/2014/main" id="{2E4C1783-4566-4F06-9673-D9E573AEF740}"/>
+                <a16:creationId xmlns:a16="http://schemas.microsoft.com/office/drawing/2014/main" id="{7953E8C6-91B4-4BF3-A0D2-58CFD7C914BF}"/>
               </a:ext>
             </a:extLst>
           </p:cNvPr>
           <p:cNvSpPr/>
           <p:nvPr/>
         </p:nvSpPr>
-        <p:spPr bwMode="auto">
+        <p:spPr>
           <a:xfrm>
-            <a:off x="4724400" y="1752600"/>
-            <a:ext cx="2971800" cy="2667000"/>
+            <a:off x="5439072" y="4359201"/>
+            <a:ext cx="1066800" cy="457200"/>
           </a:xfrm>
-          <a:prstGeom prst="rect">
+          <a:prstGeom prst="can">
+            <a:avLst/>
+          </a:prstGeom>
+          <a:solidFill>
+            <a:schemeClr val="bg1"/>
+          </a:solidFill>
+          <a:ln>
+            <a:solidFill>
+              <a:schemeClr val="accent1"/>
+            </a:solidFill>
+          </a:ln>
+        </p:spPr>
+        <p:style>
+          <a:lnRef idx="2">
+            <a:schemeClr val="accent1">
+              <a:shade val="50000"/>
+            </a:schemeClr>
+          </a:lnRef>
+          <a:fillRef idx="1">
+            <a:schemeClr val="accent1"/>
+          </a:fillRef>
+          <a:effectRef idx="0">
+            <a:schemeClr val="accent1"/>
+          </a:effectRef>
+          <a:fontRef idx="minor">
+            <a:schemeClr val="lt1"/>
+          </a:fontRef>
+        </p:style>
+        <p:txBody>
+          <a:bodyPr rtlCol="0" anchor="ctr"/>
+          <a:lstStyle/>
+          <a:p>
+            <a:pPr algn="ctr"/>
+            <a:r>
+              <a:rPr lang="en-US" dirty="0">
+                <a:solidFill>
+                  <a:schemeClr val="tx1"/>
+                </a:solidFill>
+              </a:rPr>
+              <a:t>Elastic</a:t>
+            </a:r>
+            <a:endParaRPr lang="en-DE" dirty="0" err="1">
+              <a:solidFill>
+                <a:schemeClr val="tx1"/>
+              </a:solidFill>
+            </a:endParaRPr>
+          </a:p>
+        </p:txBody>
+      </p:sp>
+      <p:sp>
+        <p:nvSpPr>
+          <p:cNvPr id="12" name="Arrow: Down 11">
+            <a:extLst>
+              <a:ext uri="{FF2B5EF4-FFF2-40B4-BE49-F238E27FC236}">
+                <a16:creationId xmlns:a16="http://schemas.microsoft.com/office/drawing/2014/main" id="{82E9E391-3BB8-4A5C-BB82-F0EFF83F142F}"/>
+              </a:ext>
+            </a:extLst>
+          </p:cNvPr>
+          <p:cNvSpPr/>
+          <p:nvPr/>
+        </p:nvSpPr>
+        <p:spPr>
+          <a:xfrm rot="8184107">
+            <a:off x="4704296" y="3511758"/>
+            <a:ext cx="304800" cy="609600"/>
+          </a:xfrm>
+          <a:prstGeom prst="downArrow">
             <a:avLst/>
           </a:prstGeom>
           <a:solidFill>
@@ -17362,67 +15946,221 @@
           </a:solidFill>
           <a:ln>
             <a:noFill/>
-            <a:headEnd type="none" w="med" len="med"/>
-            <a:tailEnd type="none" w="med" len="med"/>
           </a:ln>
         </p:spPr>
         <p:style>
-          <a:lnRef idx="1">
-            <a:schemeClr val="accent5"/>
+          <a:lnRef idx="2">
+            <a:schemeClr val="accent1">
+              <a:shade val="50000"/>
+            </a:schemeClr>
           </a:lnRef>
-          <a:fillRef idx="2">
-            <a:schemeClr val="accent5"/>
+          <a:fillRef idx="1">
+            <a:schemeClr val="accent1"/>
           </a:fillRef>
-          <a:effectRef idx="1">
-            <a:schemeClr val="accent5"/>
+          <a:effectRef idx="0">
+            <a:schemeClr val="accent1"/>
           </a:effectRef>
           <a:fontRef idx="minor">
-            <a:schemeClr val="dk1"/>
+            <a:schemeClr val="lt1"/>
           </a:fontRef>
         </p:style>
         <p:txBody>
-          <a:bodyPr vert="horz" wrap="square" lIns="72000" tIns="46800" rIns="72000" bIns="46800" numCol="1" rtlCol="0" anchor="ctr" anchorCtr="0" compatLnSpc="1">
-            <a:prstTxWarp prst="textNoShape">
-              <a:avLst/>
-            </a:prstTxWarp>
-          </a:bodyPr>
+          <a:bodyPr rtlCol="0" anchor="ctr"/>
           <a:lstStyle/>
           <a:p>
-            <a:pPr marL="0" marR="0" indent="0" algn="l" defTabSz="914400" rtl="0" eaLnBrk="1" fontAlgn="base" latinLnBrk="0" hangingPunct="1">
-              <a:lnSpc>
-                <a:spcPct val="90000"/>
-              </a:lnSpc>
-              <a:spcBef>
-                <a:spcPct val="0"/>
-              </a:spcBef>
-              <a:spcAft>
-                <a:spcPct val="0"/>
-              </a:spcAft>
-              <a:buClrTx/>
-              <a:buSzTx/>
-              <a:buFontTx/>
-              <a:buNone/>
-              <a:tabLst/>
-            </a:pPr>
-            <a:endParaRPr kumimoji="0" lang="de-DE" sz="1400" b="0" i="0" u="none" strike="noStrike" cap="none" normalizeH="0" baseline="0" dirty="0">
-              <a:ln>
-                <a:noFill/>
-              </a:ln>
+            <a:pPr algn="ctr"/>
+            <a:endParaRPr lang="en-DE" dirty="0" err="1">
               <a:solidFill>
                 <a:schemeClr val="tx1"/>
               </a:solidFill>
-              <a:effectLst/>
-              <a:latin typeface="+mn-lt"/>
+            </a:endParaRPr>
+          </a:p>
+        </p:txBody>
+      </p:sp>
+      <p:pic>
+        <p:nvPicPr>
+          <p:cNvPr id="14" name="Picture 13" descr="A picture containing table&#10;&#10;Description automatically generated">
+            <a:extLst>
+              <a:ext uri="{FF2B5EF4-FFF2-40B4-BE49-F238E27FC236}">
+                <a16:creationId xmlns:a16="http://schemas.microsoft.com/office/drawing/2014/main" id="{2F160D55-4EE6-4BA9-8034-4ABF2D378822}"/>
+              </a:ext>
+            </a:extLst>
+          </p:cNvPr>
+          <p:cNvPicPr>
+            <a:picLocks noChangeAspect="1"/>
+          </p:cNvPicPr>
+          <p:nvPr/>
+        </p:nvPicPr>
+        <p:blipFill>
+          <a:blip r:embed="rId2"/>
+          <a:stretch>
+            <a:fillRect/>
+          </a:stretch>
+        </p:blipFill>
+        <p:spPr>
+          <a:xfrm>
+            <a:off x="-371147" y="4646118"/>
+            <a:ext cx="2083795" cy="1078364"/>
+          </a:xfrm>
+          <a:prstGeom prst="rect">
+            <a:avLst/>
+          </a:prstGeom>
+        </p:spPr>
+      </p:pic>
+      <p:pic>
+        <p:nvPicPr>
+          <p:cNvPr id="16" name="Picture 15" descr="Graphical user interface, application&#10;&#10;Description automatically generated">
+            <a:extLst>
+              <a:ext uri="{FF2B5EF4-FFF2-40B4-BE49-F238E27FC236}">
+                <a16:creationId xmlns:a16="http://schemas.microsoft.com/office/drawing/2014/main" id="{6AE81A0B-3715-410B-BF4E-B8F164619934}"/>
+              </a:ext>
+            </a:extLst>
+          </p:cNvPr>
+          <p:cNvPicPr>
+            <a:picLocks noChangeAspect="1"/>
+          </p:cNvPicPr>
+          <p:nvPr/>
+        </p:nvPicPr>
+        <p:blipFill>
+          <a:blip r:embed="rId3"/>
+          <a:stretch>
+            <a:fillRect/>
+          </a:stretch>
+        </p:blipFill>
+        <p:spPr>
+          <a:xfrm>
+            <a:off x="7467600" y="4222327"/>
+            <a:ext cx="1981200" cy="1111673"/>
+          </a:xfrm>
+          <a:prstGeom prst="rect">
+            <a:avLst/>
+          </a:prstGeom>
+        </p:spPr>
+      </p:pic>
+      <p:sp>
+        <p:nvSpPr>
+          <p:cNvPr id="17" name="Arrow: Down 16">
+            <a:extLst>
+              <a:ext uri="{FF2B5EF4-FFF2-40B4-BE49-F238E27FC236}">
+                <a16:creationId xmlns:a16="http://schemas.microsoft.com/office/drawing/2014/main" id="{E187E4D3-7A2D-4382-BCF0-1EC390B78490}"/>
+              </a:ext>
+            </a:extLst>
+          </p:cNvPr>
+          <p:cNvSpPr/>
+          <p:nvPr/>
+        </p:nvSpPr>
+        <p:spPr>
+          <a:xfrm rot="16200000">
+            <a:off x="1915086" y="4081246"/>
+            <a:ext cx="304800" cy="609600"/>
+          </a:xfrm>
+          <a:prstGeom prst="downArrow">
+            <a:avLst/>
+          </a:prstGeom>
+          <a:solidFill>
+            <a:schemeClr val="accent1">
+              <a:lumMod val="20000"/>
+              <a:lumOff val="80000"/>
+            </a:schemeClr>
+          </a:solidFill>
+          <a:ln>
+            <a:noFill/>
+          </a:ln>
+        </p:spPr>
+        <p:style>
+          <a:lnRef idx="2">
+            <a:schemeClr val="accent1">
+              <a:shade val="50000"/>
+            </a:schemeClr>
+          </a:lnRef>
+          <a:fillRef idx="1">
+            <a:schemeClr val="accent1"/>
+          </a:fillRef>
+          <a:effectRef idx="0">
+            <a:schemeClr val="accent1"/>
+          </a:effectRef>
+          <a:fontRef idx="minor">
+            <a:schemeClr val="lt1"/>
+          </a:fontRef>
+        </p:style>
+        <p:txBody>
+          <a:bodyPr rtlCol="0" anchor="ctr"/>
+          <a:lstStyle/>
+          <a:p>
+            <a:pPr algn="ctr"/>
+            <a:endParaRPr lang="en-DE" dirty="0" err="1">
+              <a:solidFill>
+                <a:schemeClr val="tx1"/>
+              </a:solidFill>
             </a:endParaRPr>
           </a:p>
         </p:txBody>
       </p:sp>
       <p:sp>
         <p:nvSpPr>
-          <p:cNvPr id="22" name="Textfeld 33">
+          <p:cNvPr id="18" name="Arrow: Down 17">
             <a:extLst>
               <a:ext uri="{FF2B5EF4-FFF2-40B4-BE49-F238E27FC236}">
-                <a16:creationId xmlns:a16="http://schemas.microsoft.com/office/drawing/2014/main" id="{276AD4ED-169A-4849-97A3-EF4E3FC1E240}"/>
+                <a16:creationId xmlns:a16="http://schemas.microsoft.com/office/drawing/2014/main" id="{BEEB5CD0-D252-4207-82C7-6D83F97175D6}"/>
+              </a:ext>
+            </a:extLst>
+          </p:cNvPr>
+          <p:cNvSpPr/>
+          <p:nvPr/>
+        </p:nvSpPr>
+        <p:spPr>
+          <a:xfrm rot="5400000">
+            <a:off x="7256403" y="4423922"/>
+            <a:ext cx="304800" cy="609600"/>
+          </a:xfrm>
+          <a:prstGeom prst="downArrow">
+            <a:avLst/>
+          </a:prstGeom>
+          <a:solidFill>
+            <a:schemeClr val="accent1">
+              <a:lumMod val="20000"/>
+              <a:lumOff val="80000"/>
+            </a:schemeClr>
+          </a:solidFill>
+          <a:ln>
+            <a:noFill/>
+          </a:ln>
+        </p:spPr>
+        <p:style>
+          <a:lnRef idx="2">
+            <a:schemeClr val="accent1">
+              <a:shade val="50000"/>
+            </a:schemeClr>
+          </a:lnRef>
+          <a:fillRef idx="1">
+            <a:schemeClr val="accent1"/>
+          </a:fillRef>
+          <a:effectRef idx="0">
+            <a:schemeClr val="accent1"/>
+          </a:effectRef>
+          <a:fontRef idx="minor">
+            <a:schemeClr val="lt1"/>
+          </a:fontRef>
+        </p:style>
+        <p:txBody>
+          <a:bodyPr rtlCol="0" anchor="ctr"/>
+          <a:lstStyle/>
+          <a:p>
+            <a:pPr algn="ctr"/>
+            <a:endParaRPr lang="en-DE" dirty="0" err="1">
+              <a:solidFill>
+                <a:schemeClr val="tx1"/>
+              </a:solidFill>
+            </a:endParaRPr>
+          </a:p>
+        </p:txBody>
+      </p:sp>
+      <p:sp>
+        <p:nvSpPr>
+          <p:cNvPr id="19" name="TextBox 18">
+            <a:extLst>
+              <a:ext uri="{FF2B5EF4-FFF2-40B4-BE49-F238E27FC236}">
+                <a16:creationId xmlns:a16="http://schemas.microsoft.com/office/drawing/2014/main" id="{63DC915E-A2DC-4700-B4B6-CF50FBB17984}"/>
               </a:ext>
             </a:extLst>
           </p:cNvPr>
@@ -17431,8 +16169,145 @@
         </p:nvSpPr>
         <p:spPr>
           <a:xfrm>
-            <a:off x="4800600" y="1877590"/>
-            <a:ext cx="1899091" cy="286232"/>
+            <a:off x="86053" y="5170612"/>
+            <a:ext cx="914400" cy="286232"/>
+          </a:xfrm>
+          <a:prstGeom prst="rect">
+            <a:avLst/>
+          </a:prstGeom>
+          <a:solidFill>
+            <a:schemeClr val="bg1"/>
+          </a:solidFill>
+        </p:spPr>
+        <p:txBody>
+          <a:bodyPr wrap="square" rtlCol="0">
+            <a:spAutoFit/>
+          </a:bodyPr>
+          <a:lstStyle/>
+          <a:p>
+            <a:pPr algn="ctr"/>
+            <a:r>
+              <a:rPr lang="en-US" dirty="0"/>
+              <a:t>Operate</a:t>
+            </a:r>
+            <a:endParaRPr lang="en-DE" dirty="0"/>
+          </a:p>
+        </p:txBody>
+      </p:sp>
+      <p:sp>
+        <p:nvSpPr>
+          <p:cNvPr id="20" name="TextBox 19">
+            <a:extLst>
+              <a:ext uri="{FF2B5EF4-FFF2-40B4-BE49-F238E27FC236}">
+                <a16:creationId xmlns:a16="http://schemas.microsoft.com/office/drawing/2014/main" id="{8EBAD08E-623A-497E-9FE8-EAF022B8D3C7}"/>
+              </a:ext>
+            </a:extLst>
+          </p:cNvPr>
+          <p:cNvSpPr txBox="1"/>
+          <p:nvPr/>
+        </p:nvSpPr>
+        <p:spPr>
+          <a:xfrm>
+            <a:off x="7924800" y="4619384"/>
+            <a:ext cx="914400" cy="286232"/>
+          </a:xfrm>
+          <a:prstGeom prst="rect">
+            <a:avLst/>
+          </a:prstGeom>
+          <a:solidFill>
+            <a:schemeClr val="bg1"/>
+          </a:solidFill>
+        </p:spPr>
+        <p:txBody>
+          <a:bodyPr wrap="square" rtlCol="0">
+            <a:spAutoFit/>
+          </a:bodyPr>
+          <a:lstStyle/>
+          <a:p>
+            <a:pPr algn="ctr"/>
+            <a:r>
+              <a:rPr lang="en-US" dirty="0"/>
+              <a:t>Optimize</a:t>
+            </a:r>
+            <a:endParaRPr lang="en-DE" dirty="0"/>
+          </a:p>
+        </p:txBody>
+      </p:sp>
+      <p:sp>
+        <p:nvSpPr>
+          <p:cNvPr id="21" name="Arrow: Down 20">
+            <a:extLst>
+              <a:ext uri="{FF2B5EF4-FFF2-40B4-BE49-F238E27FC236}">
+                <a16:creationId xmlns:a16="http://schemas.microsoft.com/office/drawing/2014/main" id="{8B21D341-1CDA-4DB0-88C9-114923FB7AA9}"/>
+              </a:ext>
+            </a:extLst>
+          </p:cNvPr>
+          <p:cNvSpPr/>
+          <p:nvPr/>
+        </p:nvSpPr>
+        <p:spPr>
+          <a:xfrm rot="16200000">
+            <a:off x="1915086" y="4708930"/>
+            <a:ext cx="304800" cy="609600"/>
+          </a:xfrm>
+          <a:prstGeom prst="downArrow">
+            <a:avLst/>
+          </a:prstGeom>
+          <a:solidFill>
+            <a:schemeClr val="accent1">
+              <a:lumMod val="20000"/>
+              <a:lumOff val="80000"/>
+            </a:schemeClr>
+          </a:solidFill>
+          <a:ln>
+            <a:noFill/>
+          </a:ln>
+        </p:spPr>
+        <p:style>
+          <a:lnRef idx="2">
+            <a:schemeClr val="accent1">
+              <a:shade val="50000"/>
+            </a:schemeClr>
+          </a:lnRef>
+          <a:fillRef idx="1">
+            <a:schemeClr val="accent1"/>
+          </a:fillRef>
+          <a:effectRef idx="0">
+            <a:schemeClr val="accent1"/>
+          </a:effectRef>
+          <a:fontRef idx="minor">
+            <a:schemeClr val="lt1"/>
+          </a:fontRef>
+        </p:style>
+        <p:txBody>
+          <a:bodyPr rtlCol="0" anchor="ctr"/>
+          <a:lstStyle/>
+          <a:p>
+            <a:pPr algn="ctr"/>
+            <a:endParaRPr lang="en-DE" dirty="0" err="1">
+              <a:solidFill>
+                <a:schemeClr val="tx1"/>
+              </a:solidFill>
+            </a:endParaRPr>
+          </a:p>
+        </p:txBody>
+      </p:sp>
+      <p:sp>
+        <p:nvSpPr>
+          <p:cNvPr id="22" name="TextBox 21">
+            <a:extLst>
+              <a:ext uri="{FF2B5EF4-FFF2-40B4-BE49-F238E27FC236}">
+                <a16:creationId xmlns:a16="http://schemas.microsoft.com/office/drawing/2014/main" id="{E475DC56-CC67-4C3A-9F81-EB533B739DB5}"/>
+              </a:ext>
+            </a:extLst>
+          </p:cNvPr>
+          <p:cNvSpPr txBox="1"/>
+          <p:nvPr/>
+        </p:nvSpPr>
+        <p:spPr>
+          <a:xfrm>
+            <a:off x="626758" y="4244996"/>
+            <a:ext cx="1102870" cy="286232"/>
           </a:xfrm>
           <a:prstGeom prst="rect">
             <a:avLst/>
@@ -17440,353 +16315,59 @@
           <a:noFill/>
         </p:spPr>
         <p:txBody>
-          <a:bodyPr wrap="none" lIns="72000" rIns="72000" rtlCol="0">
+          <a:bodyPr wrap="square" rtlCol="0">
             <a:spAutoFit/>
           </a:bodyPr>
           <a:lstStyle/>
           <a:p>
             <a:r>
-              <a:rPr lang="de-DE" dirty="0">
-                <a:latin typeface="+mn-lt"/>
-              </a:rPr>
-              <a:t>my-application-v2.jar</a:t>
-            </a:r>
-            <a:endParaRPr lang="de-DE" sz="1400" dirty="0">
-              <a:latin typeface="+mn-lt"/>
-            </a:endParaRPr>
+              <a:rPr lang="en-US" dirty="0"/>
+              <a:t>History API</a:t>
+            </a:r>
+            <a:endParaRPr lang="en-DE" dirty="0"/>
           </a:p>
         </p:txBody>
       </p:sp>
       <p:sp>
         <p:nvSpPr>
-          <p:cNvPr id="23" name="Rechteck 40">
+          <p:cNvPr id="23" name="TextBox 22">
             <a:extLst>
               <a:ext uri="{FF2B5EF4-FFF2-40B4-BE49-F238E27FC236}">
-                <a16:creationId xmlns:a16="http://schemas.microsoft.com/office/drawing/2014/main" id="{411337E5-0423-4876-9A01-D6BE2EF9B204}"/>
+                <a16:creationId xmlns:a16="http://schemas.microsoft.com/office/drawing/2014/main" id="{42DFBE75-0935-4DB7-87A8-7B6E467ACA10}"/>
               </a:ext>
             </a:extLst>
           </p:cNvPr>
-          <p:cNvSpPr/>
+          <p:cNvSpPr txBox="1"/>
           <p:nvPr/>
         </p:nvSpPr>
-        <p:spPr bwMode="auto">
+        <p:spPr>
           <a:xfrm>
-            <a:off x="5276369" y="2746011"/>
-            <a:ext cx="2115029" cy="360040"/>
+            <a:off x="5276256" y="3576492"/>
+            <a:ext cx="2191344" cy="480131"/>
           </a:xfrm>
           <a:prstGeom prst="rect">
             <a:avLst/>
           </a:prstGeom>
-          <a:solidFill>
-            <a:schemeClr val="accent3">
-              <a:lumMod val="20000"/>
-              <a:lumOff val="80000"/>
-            </a:schemeClr>
-          </a:solidFill>
-          <a:ln>
-            <a:noFill/>
-            <a:headEnd type="none" w="med" len="med"/>
-            <a:tailEnd type="none" w="med" len="med"/>
-          </a:ln>
+          <a:noFill/>
         </p:spPr>
-        <p:style>
-          <a:lnRef idx="1">
-            <a:schemeClr val="accent2"/>
-          </a:lnRef>
-          <a:fillRef idx="2">
-            <a:schemeClr val="accent2"/>
-          </a:fillRef>
-          <a:effectRef idx="1">
-            <a:schemeClr val="accent2"/>
-          </a:effectRef>
-          <a:fontRef idx="minor">
-            <a:schemeClr val="dk1"/>
-          </a:fontRef>
-        </p:style>
         <p:txBody>
-          <a:bodyPr vert="horz" wrap="square" lIns="72000" tIns="46800" rIns="72000" bIns="46800" numCol="1" rtlCol="0" anchor="ctr" anchorCtr="0" compatLnSpc="1">
-            <a:prstTxWarp prst="textNoShape">
-              <a:avLst/>
-            </a:prstTxWarp>
+          <a:bodyPr wrap="square" rtlCol="0">
+            <a:spAutoFit/>
           </a:bodyPr>
           <a:lstStyle/>
           <a:p>
-            <a:pPr algn="ctr"/>
-            <a:r>
-              <a:rPr lang="de-DE" dirty="0">
-                <a:solidFill>
-                  <a:schemeClr val="tx1"/>
-                </a:solidFill>
-              </a:rPr>
-              <a:t>MyClass.java</a:t>
-            </a:r>
-          </a:p>
-        </p:txBody>
-      </p:sp>
-      <p:sp>
-        <p:nvSpPr>
-          <p:cNvPr id="24" name="Rechteck 42">
-            <a:extLst>
-              <a:ext uri="{FF2B5EF4-FFF2-40B4-BE49-F238E27FC236}">
-                <a16:creationId xmlns:a16="http://schemas.microsoft.com/office/drawing/2014/main" id="{A8CE5286-EBB3-436A-AF54-BD529206265B}"/>
-              </a:ext>
-            </a:extLst>
-          </p:cNvPr>
-          <p:cNvSpPr/>
-          <p:nvPr/>
-        </p:nvSpPr>
-        <p:spPr bwMode="auto">
-          <a:xfrm>
-            <a:off x="5265439" y="3203211"/>
-            <a:ext cx="2115029" cy="360040"/>
-          </a:xfrm>
-          <a:prstGeom prst="rect">
-            <a:avLst/>
-          </a:prstGeom>
-          <a:solidFill>
-            <a:schemeClr val="accent3">
-              <a:lumMod val="20000"/>
-              <a:lumOff val="80000"/>
-            </a:schemeClr>
-          </a:solidFill>
-          <a:ln>
-            <a:noFill/>
-            <a:headEnd type="none" w="med" len="med"/>
-            <a:tailEnd type="none" w="med" len="med"/>
-          </a:ln>
-        </p:spPr>
-        <p:style>
-          <a:lnRef idx="1">
-            <a:schemeClr val="accent2"/>
-          </a:lnRef>
-          <a:fillRef idx="2">
-            <a:schemeClr val="accent2"/>
-          </a:fillRef>
-          <a:effectRef idx="1">
-            <a:schemeClr val="accent2"/>
-          </a:effectRef>
-          <a:fontRef idx="minor">
-            <a:schemeClr val="dk1"/>
-          </a:fontRef>
-        </p:style>
-        <p:txBody>
-          <a:bodyPr vert="horz" wrap="square" lIns="72000" tIns="46800" rIns="72000" bIns="46800" numCol="1" rtlCol="0" anchor="ctr" anchorCtr="0" compatLnSpc="1">
-            <a:prstTxWarp prst="textNoShape">
-              <a:avLst/>
-            </a:prstTxWarp>
-          </a:bodyPr>
-          <a:lstStyle/>
-          <a:p>
-            <a:pPr algn="ctr"/>
-            <a:r>
-              <a:rPr lang="de-DE" dirty="0">
-                <a:solidFill>
-                  <a:schemeClr val="tx1"/>
-                </a:solidFill>
-              </a:rPr>
-              <a:t>task-form.html</a:t>
-            </a:r>
-          </a:p>
-        </p:txBody>
-      </p:sp>
-      <p:sp>
-        <p:nvSpPr>
-          <p:cNvPr id="25" name="Rechteck 44">
-            <a:extLst>
-              <a:ext uri="{FF2B5EF4-FFF2-40B4-BE49-F238E27FC236}">
-                <a16:creationId xmlns:a16="http://schemas.microsoft.com/office/drawing/2014/main" id="{EFF649F1-8935-4D1B-8FF7-FC2EAA0EE60D}"/>
-              </a:ext>
-            </a:extLst>
-          </p:cNvPr>
-          <p:cNvSpPr/>
-          <p:nvPr/>
-        </p:nvSpPr>
-        <p:spPr bwMode="auto">
-          <a:xfrm>
-            <a:off x="5265438" y="3893455"/>
-            <a:ext cx="2115029" cy="360040"/>
-          </a:xfrm>
-          <a:prstGeom prst="rect">
-            <a:avLst/>
-          </a:prstGeom>
-          <a:solidFill>
-            <a:schemeClr val="accent3">
-              <a:lumMod val="20000"/>
-              <a:lumOff val="80000"/>
-            </a:schemeClr>
-          </a:solidFill>
-          <a:ln>
-            <a:noFill/>
-            <a:headEnd type="none" w="med" len="med"/>
-            <a:tailEnd type="none" w="med" len="med"/>
-          </a:ln>
-        </p:spPr>
-        <p:style>
-          <a:lnRef idx="1">
-            <a:schemeClr val="accent2"/>
-          </a:lnRef>
-          <a:fillRef idx="2">
-            <a:schemeClr val="accent2"/>
-          </a:fillRef>
-          <a:effectRef idx="1">
-            <a:schemeClr val="accent2"/>
-          </a:effectRef>
-          <a:fontRef idx="minor">
-            <a:schemeClr val="dk1"/>
-          </a:fontRef>
-        </p:style>
-        <p:txBody>
-          <a:bodyPr vert="horz" wrap="square" lIns="72000" tIns="46800" rIns="72000" bIns="46800" numCol="1" rtlCol="0" anchor="ctr" anchorCtr="0" compatLnSpc="1">
-            <a:prstTxWarp prst="textNoShape">
-              <a:avLst/>
-            </a:prstTxWarp>
-          </a:bodyPr>
-          <a:lstStyle/>
-          <a:p>
-            <a:pPr marL="0" marR="0" indent="0" algn="ctr" defTabSz="914400" rtl="0" eaLnBrk="1" fontAlgn="base" latinLnBrk="0" hangingPunct="1">
-              <a:lnSpc>
-                <a:spcPct val="90000"/>
-              </a:lnSpc>
-              <a:spcBef>
-                <a:spcPct val="0"/>
-              </a:spcBef>
-              <a:spcAft>
-                <a:spcPct val="0"/>
-              </a:spcAft>
-              <a:buClrTx/>
-              <a:buSzTx/>
-              <a:buFontTx/>
-              <a:buNone/>
-              <a:tabLst/>
-            </a:pPr>
-            <a:r>
-              <a:rPr lang="de-DE" dirty="0">
-                <a:solidFill>
-                  <a:schemeClr val="tx1"/>
-                </a:solidFill>
-              </a:rPr>
-              <a:t>some-library-v2.jar</a:t>
-            </a:r>
-            <a:endParaRPr kumimoji="0" lang="de-DE" sz="1400" b="0" i="0" u="none" strike="noStrike" cap="none" normalizeH="0" baseline="0" dirty="0">
-              <a:ln>
-                <a:noFill/>
-              </a:ln>
-              <a:solidFill>
-                <a:schemeClr val="tx1"/>
-              </a:solidFill>
-              <a:effectLst/>
-              <a:latin typeface="+mn-lt"/>
-            </a:endParaRPr>
-          </a:p>
-        </p:txBody>
-      </p:sp>
-      <p:sp>
-        <p:nvSpPr>
-          <p:cNvPr id="26" name="Rechteck 40">
-            <a:extLst>
-              <a:ext uri="{FF2B5EF4-FFF2-40B4-BE49-F238E27FC236}">
-                <a16:creationId xmlns:a16="http://schemas.microsoft.com/office/drawing/2014/main" id="{8D27D00C-8FA4-4A82-BF26-FE02C901DFA4}"/>
-              </a:ext>
-            </a:extLst>
-          </p:cNvPr>
-          <p:cNvSpPr/>
-          <p:nvPr/>
-        </p:nvSpPr>
-        <p:spPr bwMode="auto">
-          <a:xfrm>
-            <a:off x="5276368" y="2288811"/>
-            <a:ext cx="2115031" cy="360040"/>
-          </a:xfrm>
-          <a:prstGeom prst="rect">
-            <a:avLst/>
-          </a:prstGeom>
-          <a:solidFill>
-            <a:schemeClr val="bg1"/>
-          </a:solidFill>
-          <a:ln w="25400">
-            <a:solidFill>
-              <a:schemeClr val="accent1"/>
-            </a:solidFill>
-            <a:headEnd type="none" w="med" len="med"/>
-            <a:tailEnd type="none" w="med" len="med"/>
-          </a:ln>
-        </p:spPr>
-        <p:style>
-          <a:lnRef idx="1">
-            <a:schemeClr val="accent1"/>
-          </a:lnRef>
-          <a:fillRef idx="2">
-            <a:schemeClr val="accent1"/>
-          </a:fillRef>
-          <a:effectRef idx="1">
-            <a:schemeClr val="accent1"/>
-          </a:effectRef>
-          <a:fontRef idx="minor">
-            <a:schemeClr val="dk1"/>
-          </a:fontRef>
-        </p:style>
-        <p:txBody>
-          <a:bodyPr vert="horz" wrap="square" lIns="72000" tIns="46800" rIns="72000" bIns="46800" numCol="1" rtlCol="0" anchor="ctr" anchorCtr="0" compatLnSpc="1">
-            <a:prstTxWarp prst="textNoShape">
-              <a:avLst/>
-            </a:prstTxWarp>
-          </a:bodyPr>
-          <a:lstStyle/>
-          <a:p>
-            <a:pPr marL="0" marR="0" indent="0" algn="ctr" defTabSz="914400" rtl="0" eaLnBrk="1" fontAlgn="base" latinLnBrk="0" hangingPunct="1">
-              <a:lnSpc>
-                <a:spcPct val="90000"/>
-              </a:lnSpc>
-              <a:spcBef>
-                <a:spcPct val="0"/>
-              </a:spcBef>
-              <a:spcAft>
-                <a:spcPct val="0"/>
-              </a:spcAft>
-              <a:buClrTx/>
-              <a:buSzTx/>
-              <a:buFontTx/>
-              <a:buNone/>
-              <a:tabLst/>
-            </a:pPr>
-            <a:r>
-              <a:rPr lang="de-DE" dirty="0" err="1">
-                <a:solidFill>
-                  <a:schemeClr val="tx1"/>
-                </a:solidFill>
-              </a:rPr>
-              <a:t>m</a:t>
-            </a:r>
-            <a:r>
-              <a:rPr kumimoji="0" lang="de-DE" sz="1400" b="0" i="0" u="none" strike="noStrike" cap="none" normalizeH="0" baseline="0" dirty="0" err="1">
-                <a:ln>
-                  <a:noFill/>
-                </a:ln>
-                <a:solidFill>
-                  <a:schemeClr val="tx1"/>
-                </a:solidFill>
-                <a:effectLst/>
-                <a:latin typeface="+mn-lt"/>
-              </a:rPr>
-              <a:t>y-process.bpmn</a:t>
-            </a:r>
-            <a:endParaRPr kumimoji="0" lang="de-DE" sz="1400" b="0" i="0" u="none" strike="noStrike" cap="none" normalizeH="0" baseline="0" dirty="0">
-              <a:ln>
-                <a:noFill/>
-              </a:ln>
-              <a:solidFill>
-                <a:schemeClr val="tx1"/>
-              </a:solidFill>
-              <a:effectLst/>
-              <a:latin typeface="+mn-lt"/>
-            </a:endParaRPr>
+            <a:r>
+              <a:rPr lang="en-US" dirty="0"/>
+              <a:t>Pull data and optimize format for use case</a:t>
+            </a:r>
+            <a:endParaRPr lang="en-DE" dirty="0"/>
           </a:p>
         </p:txBody>
       </p:sp>
     </p:spTree>
     <p:extLst>
       <p:ext uri="{BB962C8B-B14F-4D97-AF65-F5344CB8AC3E}">
-        <p14:creationId xmlns:p14="http://schemas.microsoft.com/office/powerpoint/2010/main" val="2066636198"/>
+        <p14:creationId xmlns:p14="http://schemas.microsoft.com/office/powerpoint/2010/main" val="190669989"/>
       </p:ext>
     </p:extLst>
   </p:cSld>
